--- a/360VSOD/show/figure_update/davpnet.pptx
+++ b/360VSOD/show/figure_update/davpnet.pptx
@@ -4,8 +4,12 @@
   <p:sldMasterIdLst>
     <p:sldMasterId id="2147483648" r:id="rId1"/>
   </p:sldMasterIdLst>
+  <p:notesMasterIdLst>
+    <p:notesMasterId r:id="rId4"/>
+  </p:notesMasterIdLst>
   <p:sldIdLst>
     <p:sldId id="256" r:id="rId2"/>
+    <p:sldId id="257" r:id="rId3"/>
   </p:sldIdLst>
   <p:sldSz cx="12192000" cy="6858000"/>
   <p:notesSz cx="6858000" cy="9144000"/>
@@ -104,7 +108,446 @@
       </a:defRPr>
     </a:lvl9pPr>
   </p:defaultTextStyle>
+  <p:extLst>
+    <p:ext uri="{EFAFB233-063F-42B5-8137-9DF3F51BA10A}">
+      <p15:sldGuideLst xmlns:p15="http://schemas.microsoft.com/office/powerpoint/2012/main"/>
+    </p:ext>
+  </p:extLst>
 </p:presentation>
+</file>
+
+<file path=ppt/notesMasters/notesMaster1.xml><?xml version="1.0" encoding="utf-8"?>
+<p:notesMaster xmlns:a="http://schemas.openxmlformats.org/drawingml/2006/main" xmlns:r="http://schemas.openxmlformats.org/officeDocument/2006/relationships" xmlns:p="http://schemas.openxmlformats.org/presentationml/2006/main">
+  <p:cSld>
+    <p:bg>
+      <p:bgRef idx="1001">
+        <a:schemeClr val="bg1"/>
+      </p:bgRef>
+    </p:bg>
+    <p:spTree>
+      <p:nvGrpSpPr>
+        <p:cNvPr id="1" name=""/>
+        <p:cNvGrpSpPr/>
+        <p:nvPr/>
+      </p:nvGrpSpPr>
+      <p:grpSpPr>
+        <a:xfrm>
+          <a:off x="0" y="0"/>
+          <a:ext cx="0" cy="0"/>
+          <a:chOff x="0" y="0"/>
+          <a:chExt cx="0" cy="0"/>
+        </a:xfrm>
+      </p:grpSpPr>
+      <p:sp>
+        <p:nvSpPr>
+          <p:cNvPr id="2" name="Header Placeholder 1"/>
+          <p:cNvSpPr>
+            <a:spLocks noGrp="1"/>
+          </p:cNvSpPr>
+          <p:nvPr>
+            <p:ph type="hdr" sz="quarter"/>
+          </p:nvPr>
+        </p:nvSpPr>
+        <p:spPr>
+          <a:xfrm>
+            <a:off x="0" y="0"/>
+            <a:ext cx="2971800" cy="458788"/>
+          </a:xfrm>
+          <a:prstGeom prst="rect">
+            <a:avLst/>
+          </a:prstGeom>
+        </p:spPr>
+        <p:txBody>
+          <a:bodyPr vert="horz" lIns="91440" tIns="45720" rIns="91440" bIns="45720" rtlCol="0"/>
+          <a:lstStyle>
+            <a:lvl1pPr algn="l">
+              <a:defRPr sz="1200"/>
+            </a:lvl1pPr>
+          </a:lstStyle>
+          <a:p>
+            <a:endParaRPr lang="en-US"/>
+          </a:p>
+        </p:txBody>
+      </p:sp>
+      <p:sp>
+        <p:nvSpPr>
+          <p:cNvPr id="3" name="Date Placeholder 2"/>
+          <p:cNvSpPr>
+            <a:spLocks noGrp="1"/>
+          </p:cNvSpPr>
+          <p:nvPr>
+            <p:ph type="dt" idx="1"/>
+          </p:nvPr>
+        </p:nvSpPr>
+        <p:spPr>
+          <a:xfrm>
+            <a:off x="3884613" y="0"/>
+            <a:ext cx="2971800" cy="458788"/>
+          </a:xfrm>
+          <a:prstGeom prst="rect">
+            <a:avLst/>
+          </a:prstGeom>
+        </p:spPr>
+        <p:txBody>
+          <a:bodyPr vert="horz" lIns="91440" tIns="45720" rIns="91440" bIns="45720" rtlCol="0"/>
+          <a:lstStyle>
+            <a:lvl1pPr algn="r">
+              <a:defRPr sz="1200"/>
+            </a:lvl1pPr>
+          </a:lstStyle>
+          <a:p>
+            <a:fld id="{3B655BF7-2A4B-F740-B1D0-9EA0620EB74F}" type="datetimeFigureOut">
+              <a:rPr lang="en-US" smtClean="0"/>
+              <a:t>9/20/20</a:t>
+            </a:fld>
+            <a:endParaRPr lang="en-US"/>
+          </a:p>
+        </p:txBody>
+      </p:sp>
+      <p:sp>
+        <p:nvSpPr>
+          <p:cNvPr id="4" name="Slide Image Placeholder 3"/>
+          <p:cNvSpPr>
+            <a:spLocks noGrp="1" noRot="1" noChangeAspect="1"/>
+          </p:cNvSpPr>
+          <p:nvPr>
+            <p:ph type="sldImg" idx="2"/>
+          </p:nvPr>
+        </p:nvSpPr>
+        <p:spPr>
+          <a:xfrm>
+            <a:off x="685800" y="1143000"/>
+            <a:ext cx="5486400" cy="3086100"/>
+          </a:xfrm>
+          <a:prstGeom prst="rect">
+            <a:avLst/>
+          </a:prstGeom>
+          <a:noFill/>
+          <a:ln w="12700">
+            <a:solidFill>
+              <a:prstClr val="black"/>
+            </a:solidFill>
+          </a:ln>
+        </p:spPr>
+        <p:txBody>
+          <a:bodyPr vert="horz" lIns="91440" tIns="45720" rIns="91440" bIns="45720" rtlCol="0" anchor="ctr"/>
+          <a:lstStyle/>
+          <a:p>
+            <a:endParaRPr lang="en-US"/>
+          </a:p>
+        </p:txBody>
+      </p:sp>
+      <p:sp>
+        <p:nvSpPr>
+          <p:cNvPr id="5" name="Notes Placeholder 4"/>
+          <p:cNvSpPr>
+            <a:spLocks noGrp="1"/>
+          </p:cNvSpPr>
+          <p:nvPr>
+            <p:ph type="body" sz="quarter" idx="3"/>
+          </p:nvPr>
+        </p:nvSpPr>
+        <p:spPr>
+          <a:xfrm>
+            <a:off x="685800" y="4400550"/>
+            <a:ext cx="5486400" cy="3600450"/>
+          </a:xfrm>
+          <a:prstGeom prst="rect">
+            <a:avLst/>
+          </a:prstGeom>
+        </p:spPr>
+        <p:txBody>
+          <a:bodyPr vert="horz" lIns="91440" tIns="45720" rIns="91440" bIns="45720" rtlCol="0"/>
+          <a:lstStyle/>
+          <a:p>
+            <a:pPr lvl="0"/>
+            <a:r>
+              <a:rPr lang="en-US" smtClean="0"/>
+              <a:t>Click to edit Master text styles</a:t>
+            </a:r>
+          </a:p>
+          <a:p>
+            <a:pPr lvl="1"/>
+            <a:r>
+              <a:rPr lang="en-US" smtClean="0"/>
+              <a:t>Second level</a:t>
+            </a:r>
+          </a:p>
+          <a:p>
+            <a:pPr lvl="2"/>
+            <a:r>
+              <a:rPr lang="en-US" smtClean="0"/>
+              <a:t>Third level</a:t>
+            </a:r>
+          </a:p>
+          <a:p>
+            <a:pPr lvl="3"/>
+            <a:r>
+              <a:rPr lang="en-US" smtClean="0"/>
+              <a:t>Fourth level</a:t>
+            </a:r>
+          </a:p>
+          <a:p>
+            <a:pPr lvl="4"/>
+            <a:r>
+              <a:rPr lang="en-US" smtClean="0"/>
+              <a:t>Fifth level</a:t>
+            </a:r>
+            <a:endParaRPr lang="en-US"/>
+          </a:p>
+        </p:txBody>
+      </p:sp>
+      <p:sp>
+        <p:nvSpPr>
+          <p:cNvPr id="6" name="Footer Placeholder 5"/>
+          <p:cNvSpPr>
+            <a:spLocks noGrp="1"/>
+          </p:cNvSpPr>
+          <p:nvPr>
+            <p:ph type="ftr" sz="quarter" idx="4"/>
+          </p:nvPr>
+        </p:nvSpPr>
+        <p:spPr>
+          <a:xfrm>
+            <a:off x="0" y="8685213"/>
+            <a:ext cx="2971800" cy="458787"/>
+          </a:xfrm>
+          <a:prstGeom prst="rect">
+            <a:avLst/>
+          </a:prstGeom>
+        </p:spPr>
+        <p:txBody>
+          <a:bodyPr vert="horz" lIns="91440" tIns="45720" rIns="91440" bIns="45720" rtlCol="0" anchor="b"/>
+          <a:lstStyle>
+            <a:lvl1pPr algn="l">
+              <a:defRPr sz="1200"/>
+            </a:lvl1pPr>
+          </a:lstStyle>
+          <a:p>
+            <a:endParaRPr lang="en-US"/>
+          </a:p>
+        </p:txBody>
+      </p:sp>
+      <p:sp>
+        <p:nvSpPr>
+          <p:cNvPr id="7" name="Slide Number Placeholder 6"/>
+          <p:cNvSpPr>
+            <a:spLocks noGrp="1"/>
+          </p:cNvSpPr>
+          <p:nvPr>
+            <p:ph type="sldNum" sz="quarter" idx="5"/>
+          </p:nvPr>
+        </p:nvSpPr>
+        <p:spPr>
+          <a:xfrm>
+            <a:off x="3884613" y="8685213"/>
+            <a:ext cx="2971800" cy="458787"/>
+          </a:xfrm>
+          <a:prstGeom prst="rect">
+            <a:avLst/>
+          </a:prstGeom>
+        </p:spPr>
+        <p:txBody>
+          <a:bodyPr vert="horz" lIns="91440" tIns="45720" rIns="91440" bIns="45720" rtlCol="0" anchor="b"/>
+          <a:lstStyle>
+            <a:lvl1pPr algn="r">
+              <a:defRPr sz="1200"/>
+            </a:lvl1pPr>
+          </a:lstStyle>
+          <a:p>
+            <a:fld id="{F2A375F5-4DCB-7C4F-9733-F4031F5327E1}" type="slidenum">
+              <a:rPr lang="en-US" smtClean="0"/>
+              <a:t>‹#›</a:t>
+            </a:fld>
+            <a:endParaRPr lang="en-US"/>
+          </a:p>
+        </p:txBody>
+      </p:sp>
+    </p:spTree>
+    <p:extLst>
+      <p:ext uri="{BB962C8B-B14F-4D97-AF65-F5344CB8AC3E}">
+        <p14:creationId xmlns:p14="http://schemas.microsoft.com/office/powerpoint/2010/main" val="1092956806"/>
+      </p:ext>
+    </p:extLst>
+  </p:cSld>
+  <p:clrMap bg1="lt1" tx1="dk1" bg2="lt2" tx2="dk2" accent1="accent1" accent2="accent2" accent3="accent3" accent4="accent4" accent5="accent5" accent6="accent6" hlink="hlink" folHlink="folHlink"/>
+  <p:notesStyle>
+    <a:lvl1pPr marL="0" algn="l" defTabSz="914400" rtl="0" eaLnBrk="1" latinLnBrk="0" hangingPunct="1">
+      <a:defRPr sz="1200" kern="1200">
+        <a:solidFill>
+          <a:schemeClr val="tx1"/>
+        </a:solidFill>
+        <a:latin typeface="+mn-lt"/>
+        <a:ea typeface="+mn-ea"/>
+        <a:cs typeface="+mn-cs"/>
+      </a:defRPr>
+    </a:lvl1pPr>
+    <a:lvl2pPr marL="457200" algn="l" defTabSz="914400" rtl="0" eaLnBrk="1" latinLnBrk="0" hangingPunct="1">
+      <a:defRPr sz="1200" kern="1200">
+        <a:solidFill>
+          <a:schemeClr val="tx1"/>
+        </a:solidFill>
+        <a:latin typeface="+mn-lt"/>
+        <a:ea typeface="+mn-ea"/>
+        <a:cs typeface="+mn-cs"/>
+      </a:defRPr>
+    </a:lvl2pPr>
+    <a:lvl3pPr marL="914400" algn="l" defTabSz="914400" rtl="0" eaLnBrk="1" latinLnBrk="0" hangingPunct="1">
+      <a:defRPr sz="1200" kern="1200">
+        <a:solidFill>
+          <a:schemeClr val="tx1"/>
+        </a:solidFill>
+        <a:latin typeface="+mn-lt"/>
+        <a:ea typeface="+mn-ea"/>
+        <a:cs typeface="+mn-cs"/>
+      </a:defRPr>
+    </a:lvl3pPr>
+    <a:lvl4pPr marL="1371600" algn="l" defTabSz="914400" rtl="0" eaLnBrk="1" latinLnBrk="0" hangingPunct="1">
+      <a:defRPr sz="1200" kern="1200">
+        <a:solidFill>
+          <a:schemeClr val="tx1"/>
+        </a:solidFill>
+        <a:latin typeface="+mn-lt"/>
+        <a:ea typeface="+mn-ea"/>
+        <a:cs typeface="+mn-cs"/>
+      </a:defRPr>
+    </a:lvl4pPr>
+    <a:lvl5pPr marL="1828800" algn="l" defTabSz="914400" rtl="0" eaLnBrk="1" latinLnBrk="0" hangingPunct="1">
+      <a:defRPr sz="1200" kern="1200">
+        <a:solidFill>
+          <a:schemeClr val="tx1"/>
+        </a:solidFill>
+        <a:latin typeface="+mn-lt"/>
+        <a:ea typeface="+mn-ea"/>
+        <a:cs typeface="+mn-cs"/>
+      </a:defRPr>
+    </a:lvl5pPr>
+    <a:lvl6pPr marL="2286000" algn="l" defTabSz="914400" rtl="0" eaLnBrk="1" latinLnBrk="0" hangingPunct="1">
+      <a:defRPr sz="1200" kern="1200">
+        <a:solidFill>
+          <a:schemeClr val="tx1"/>
+        </a:solidFill>
+        <a:latin typeface="+mn-lt"/>
+        <a:ea typeface="+mn-ea"/>
+        <a:cs typeface="+mn-cs"/>
+      </a:defRPr>
+    </a:lvl6pPr>
+    <a:lvl7pPr marL="2743200" algn="l" defTabSz="914400" rtl="0" eaLnBrk="1" latinLnBrk="0" hangingPunct="1">
+      <a:defRPr sz="1200" kern="1200">
+        <a:solidFill>
+          <a:schemeClr val="tx1"/>
+        </a:solidFill>
+        <a:latin typeface="+mn-lt"/>
+        <a:ea typeface="+mn-ea"/>
+        <a:cs typeface="+mn-cs"/>
+      </a:defRPr>
+    </a:lvl7pPr>
+    <a:lvl8pPr marL="3200400" algn="l" defTabSz="914400" rtl="0" eaLnBrk="1" latinLnBrk="0" hangingPunct="1">
+      <a:defRPr sz="1200" kern="1200">
+        <a:solidFill>
+          <a:schemeClr val="tx1"/>
+        </a:solidFill>
+        <a:latin typeface="+mn-lt"/>
+        <a:ea typeface="+mn-ea"/>
+        <a:cs typeface="+mn-cs"/>
+      </a:defRPr>
+    </a:lvl8pPr>
+    <a:lvl9pPr marL="3657600" algn="l" defTabSz="914400" rtl="0" eaLnBrk="1" latinLnBrk="0" hangingPunct="1">
+      <a:defRPr sz="1200" kern="1200">
+        <a:solidFill>
+          <a:schemeClr val="tx1"/>
+        </a:solidFill>
+        <a:latin typeface="+mn-lt"/>
+        <a:ea typeface="+mn-ea"/>
+        <a:cs typeface="+mn-cs"/>
+      </a:defRPr>
+    </a:lvl9pPr>
+  </p:notesStyle>
+</p:notesMaster>
+</file>
+
+<file path=ppt/notesSlides/notesSlide1.xml><?xml version="1.0" encoding="utf-8"?>
+<p:notes xmlns:a="http://schemas.openxmlformats.org/drawingml/2006/main" xmlns:r="http://schemas.openxmlformats.org/officeDocument/2006/relationships" xmlns:p="http://schemas.openxmlformats.org/presentationml/2006/main">
+  <p:cSld>
+    <p:spTree>
+      <p:nvGrpSpPr>
+        <p:cNvPr id="1" name=""/>
+        <p:cNvGrpSpPr/>
+        <p:nvPr/>
+      </p:nvGrpSpPr>
+      <p:grpSpPr>
+        <a:xfrm>
+          <a:off x="0" y="0"/>
+          <a:ext cx="0" cy="0"/>
+          <a:chOff x="0" y="0"/>
+          <a:chExt cx="0" cy="0"/>
+        </a:xfrm>
+      </p:grpSpPr>
+      <p:sp>
+        <p:nvSpPr>
+          <p:cNvPr id="2" name="Slide Image Placeholder 1"/>
+          <p:cNvSpPr>
+            <a:spLocks noGrp="1" noRot="1" noChangeAspect="1"/>
+          </p:cNvSpPr>
+          <p:nvPr>
+            <p:ph type="sldImg"/>
+          </p:nvPr>
+        </p:nvSpPr>
+        <p:spPr/>
+      </p:sp>
+      <p:sp>
+        <p:nvSpPr>
+          <p:cNvPr id="3" name="Notes Placeholder 2"/>
+          <p:cNvSpPr>
+            <a:spLocks noGrp="1"/>
+          </p:cNvSpPr>
+          <p:nvPr>
+            <p:ph type="body" idx="1"/>
+          </p:nvPr>
+        </p:nvSpPr>
+        <p:spPr/>
+        <p:txBody>
+          <a:bodyPr/>
+          <a:lstStyle/>
+          <a:p>
+            <a:endParaRPr lang="en-US" dirty="0"/>
+          </a:p>
+        </p:txBody>
+      </p:sp>
+      <p:sp>
+        <p:nvSpPr>
+          <p:cNvPr id="4" name="Slide Number Placeholder 3"/>
+          <p:cNvSpPr>
+            <a:spLocks noGrp="1"/>
+          </p:cNvSpPr>
+          <p:nvPr>
+            <p:ph type="sldNum" sz="quarter" idx="10"/>
+          </p:nvPr>
+        </p:nvSpPr>
+        <p:spPr/>
+        <p:txBody>
+          <a:bodyPr/>
+          <a:lstStyle/>
+          <a:p>
+            <a:fld id="{F2A375F5-4DCB-7C4F-9733-F4031F5327E1}" type="slidenum">
+              <a:rPr lang="en-US" smtClean="0"/>
+              <a:t>2</a:t>
+            </a:fld>
+            <a:endParaRPr lang="en-US"/>
+          </a:p>
+        </p:txBody>
+      </p:sp>
+    </p:spTree>
+    <p:extLst>
+      <p:ext uri="{BB962C8B-B14F-4D97-AF65-F5344CB8AC3E}">
+        <p14:creationId xmlns:p14="http://schemas.microsoft.com/office/powerpoint/2010/main" val="1897405651"/>
+      </p:ext>
+    </p:extLst>
+  </p:cSld>
+  <p:clrMapOvr>
+    <a:masterClrMapping/>
+  </p:clrMapOvr>
+</p:notes>
 </file>
 
 <file path=ppt/slideLayouts/slideLayout1.xml><?xml version="1.0" encoding="utf-8"?>
@@ -238,7 +681,7 @@
           <a:p>
             <a:fld id="{58E0E5B1-435C-EB42-A8F6-E7A13A8C6942}" type="datetimeFigureOut">
               <a:rPr lang="en-US" smtClean="0"/>
-              <a:t>9/8/20</a:t>
+              <a:t>9/20/20</a:t>
             </a:fld>
             <a:endParaRPr lang="en-US"/>
           </a:p>
@@ -408,7 +851,7 @@
           <a:p>
             <a:fld id="{58E0E5B1-435C-EB42-A8F6-E7A13A8C6942}" type="datetimeFigureOut">
               <a:rPr lang="en-US" smtClean="0"/>
-              <a:t>9/8/20</a:t>
+              <a:t>9/20/20</a:t>
             </a:fld>
             <a:endParaRPr lang="en-US"/>
           </a:p>
@@ -588,7 +1031,7 @@
           <a:p>
             <a:fld id="{58E0E5B1-435C-EB42-A8F6-E7A13A8C6942}" type="datetimeFigureOut">
               <a:rPr lang="en-US" smtClean="0"/>
-              <a:t>9/8/20</a:t>
+              <a:t>9/20/20</a:t>
             </a:fld>
             <a:endParaRPr lang="en-US"/>
           </a:p>
@@ -758,7 +1201,7 @@
           <a:p>
             <a:fld id="{58E0E5B1-435C-EB42-A8F6-E7A13A8C6942}" type="datetimeFigureOut">
               <a:rPr lang="en-US" smtClean="0"/>
-              <a:t>9/8/20</a:t>
+              <a:t>9/20/20</a:t>
             </a:fld>
             <a:endParaRPr lang="en-US"/>
           </a:p>
@@ -1004,7 +1447,7 @@
           <a:p>
             <a:fld id="{58E0E5B1-435C-EB42-A8F6-E7A13A8C6942}" type="datetimeFigureOut">
               <a:rPr lang="en-US" smtClean="0"/>
-              <a:t>9/8/20</a:t>
+              <a:t>9/20/20</a:t>
             </a:fld>
             <a:endParaRPr lang="en-US"/>
           </a:p>
@@ -1236,7 +1679,7 @@
           <a:p>
             <a:fld id="{58E0E5B1-435C-EB42-A8F6-E7A13A8C6942}" type="datetimeFigureOut">
               <a:rPr lang="en-US" smtClean="0"/>
-              <a:t>9/8/20</a:t>
+              <a:t>9/20/20</a:t>
             </a:fld>
             <a:endParaRPr lang="en-US"/>
           </a:p>
@@ -1603,7 +2046,7 @@
           <a:p>
             <a:fld id="{58E0E5B1-435C-EB42-A8F6-E7A13A8C6942}" type="datetimeFigureOut">
               <a:rPr lang="en-US" smtClean="0"/>
-              <a:t>9/8/20</a:t>
+              <a:t>9/20/20</a:t>
             </a:fld>
             <a:endParaRPr lang="en-US"/>
           </a:p>
@@ -1721,7 +2164,7 @@
           <a:p>
             <a:fld id="{58E0E5B1-435C-EB42-A8F6-E7A13A8C6942}" type="datetimeFigureOut">
               <a:rPr lang="en-US" smtClean="0"/>
-              <a:t>9/8/20</a:t>
+              <a:t>9/20/20</a:t>
             </a:fld>
             <a:endParaRPr lang="en-US"/>
           </a:p>
@@ -1816,7 +2259,7 @@
           <a:p>
             <a:fld id="{58E0E5B1-435C-EB42-A8F6-E7A13A8C6942}" type="datetimeFigureOut">
               <a:rPr lang="en-US" smtClean="0"/>
-              <a:t>9/8/20</a:t>
+              <a:t>9/20/20</a:t>
             </a:fld>
             <a:endParaRPr lang="en-US"/>
           </a:p>
@@ -2093,7 +2536,7 @@
           <a:p>
             <a:fld id="{58E0E5B1-435C-EB42-A8F6-E7A13A8C6942}" type="datetimeFigureOut">
               <a:rPr lang="en-US" smtClean="0"/>
-              <a:t>9/8/20</a:t>
+              <a:t>9/20/20</a:t>
             </a:fld>
             <a:endParaRPr lang="en-US"/>
           </a:p>
@@ -2346,7 +2789,7 @@
           <a:p>
             <a:fld id="{58E0E5B1-435C-EB42-A8F6-E7A13A8C6942}" type="datetimeFigureOut">
               <a:rPr lang="en-US" smtClean="0"/>
-              <a:t>9/8/20</a:t>
+              <a:t>9/20/20</a:t>
             </a:fld>
             <a:endParaRPr lang="en-US"/>
           </a:p>
@@ -2559,7 +3002,7 @@
           <a:p>
             <a:fld id="{58E0E5B1-435C-EB42-A8F6-E7A13A8C6942}" type="datetimeFigureOut">
               <a:rPr lang="en-US" smtClean="0"/>
-              <a:t>9/8/20</a:t>
+              <a:t>9/20/20</a:t>
             </a:fld>
             <a:endParaRPr lang="en-US"/>
           </a:p>
@@ -2964,9 +3407,938 @@
           <a:chExt cx="0" cy="0"/>
         </a:xfrm>
       </p:grpSpPr>
+      <p:sp>
+        <p:nvSpPr>
+          <p:cNvPr id="69" name="L-Shape 68"/>
+          <p:cNvSpPr/>
+          <p:nvPr/>
+        </p:nvSpPr>
+        <p:spPr>
+          <a:xfrm rot="10800000" flipV="1">
+            <a:off x="4364524" y="2331258"/>
+            <a:ext cx="3743713" cy="1428586"/>
+          </a:xfrm>
+          <a:prstGeom prst="corner">
+            <a:avLst>
+              <a:gd name="adj1" fmla="val 100000"/>
+              <a:gd name="adj2" fmla="val 89748"/>
+            </a:avLst>
+          </a:prstGeom>
+          <a:solidFill>
+            <a:schemeClr val="accent4">
+              <a:lumMod val="60000"/>
+              <a:lumOff val="40000"/>
+              <a:alpha val="30000"/>
+            </a:schemeClr>
+          </a:solidFill>
+          <a:ln>
+            <a:noFill/>
+          </a:ln>
+        </p:spPr>
+        <p:style>
+          <a:lnRef idx="2">
+            <a:schemeClr val="accent1">
+              <a:shade val="50000"/>
+            </a:schemeClr>
+          </a:lnRef>
+          <a:fillRef idx="1">
+            <a:schemeClr val="accent1"/>
+          </a:fillRef>
+          <a:effectRef idx="0">
+            <a:schemeClr val="accent1"/>
+          </a:effectRef>
+          <a:fontRef idx="minor">
+            <a:schemeClr val="lt1"/>
+          </a:fontRef>
+        </p:style>
+        <p:txBody>
+          <a:bodyPr rtlCol="0" anchor="ctr"/>
+          <a:lstStyle/>
+          <a:p>
+            <a:pPr algn="ctr"/>
+            <a:endParaRPr lang="en-US"/>
+          </a:p>
+        </p:txBody>
+      </p:sp>
+      <p:sp>
+        <p:nvSpPr>
+          <p:cNvPr id="36" name="L-Shape 35"/>
+          <p:cNvSpPr/>
+          <p:nvPr/>
+        </p:nvSpPr>
+        <p:spPr>
+          <a:xfrm rot="10800000" flipV="1">
+            <a:off x="4364526" y="2311831"/>
+            <a:ext cx="7174568" cy="3497599"/>
+          </a:xfrm>
+          <a:prstGeom prst="corner">
+            <a:avLst>
+              <a:gd name="adj1" fmla="val 53159"/>
+              <a:gd name="adj2" fmla="val 89748"/>
+            </a:avLst>
+          </a:prstGeom>
+          <a:solidFill>
+            <a:schemeClr val="accent1">
+              <a:lumMod val="60000"/>
+              <a:lumOff val="40000"/>
+              <a:alpha val="30000"/>
+            </a:schemeClr>
+          </a:solidFill>
+          <a:ln>
+            <a:noFill/>
+          </a:ln>
+        </p:spPr>
+        <p:style>
+          <a:lnRef idx="2">
+            <a:schemeClr val="accent1">
+              <a:shade val="50000"/>
+            </a:schemeClr>
+          </a:lnRef>
+          <a:fillRef idx="1">
+            <a:schemeClr val="accent1"/>
+          </a:fillRef>
+          <a:effectRef idx="0">
+            <a:schemeClr val="accent1"/>
+          </a:effectRef>
+          <a:fontRef idx="minor">
+            <a:schemeClr val="lt1"/>
+          </a:fontRef>
+        </p:style>
+        <p:txBody>
+          <a:bodyPr rtlCol="0" anchor="ctr"/>
+          <a:lstStyle/>
+          <a:p>
+            <a:pPr algn="ctr"/>
+            <a:endParaRPr lang="en-US"/>
+          </a:p>
+        </p:txBody>
+      </p:sp>
+      <p:sp>
+        <p:nvSpPr>
+          <p:cNvPr id="26" name="L-Shape 25"/>
+          <p:cNvSpPr/>
+          <p:nvPr/>
+        </p:nvSpPr>
+        <p:spPr>
+          <a:xfrm rot="10800000" flipV="1">
+            <a:off x="9898285" y="2311832"/>
+            <a:ext cx="1640809" cy="1652902"/>
+          </a:xfrm>
+          <a:prstGeom prst="corner">
+            <a:avLst>
+              <a:gd name="adj1" fmla="val 100000"/>
+              <a:gd name="adj2" fmla="val 34845"/>
+            </a:avLst>
+          </a:prstGeom>
+          <a:solidFill>
+            <a:schemeClr val="accent2">
+              <a:lumMod val="60000"/>
+              <a:lumOff val="40000"/>
+              <a:alpha val="30000"/>
+            </a:schemeClr>
+          </a:solidFill>
+          <a:ln>
+            <a:noFill/>
+          </a:ln>
+        </p:spPr>
+        <p:style>
+          <a:lnRef idx="2">
+            <a:schemeClr val="accent1">
+              <a:shade val="50000"/>
+            </a:schemeClr>
+          </a:lnRef>
+          <a:fillRef idx="1">
+            <a:schemeClr val="accent1"/>
+          </a:fillRef>
+          <a:effectRef idx="0">
+            <a:schemeClr val="accent1"/>
+          </a:effectRef>
+          <a:fontRef idx="minor">
+            <a:schemeClr val="lt1"/>
+          </a:fontRef>
+        </p:style>
+        <p:txBody>
+          <a:bodyPr rtlCol="0" anchor="ctr"/>
+          <a:lstStyle/>
+          <a:p>
+            <a:pPr algn="ctr"/>
+            <a:endParaRPr lang="en-US"/>
+          </a:p>
+        </p:txBody>
+      </p:sp>
+      <p:sp>
+        <p:nvSpPr>
+          <p:cNvPr id="15" name="L-Shape 14"/>
+          <p:cNvSpPr/>
+          <p:nvPr/>
+        </p:nvSpPr>
+        <p:spPr>
+          <a:xfrm rot="10800000" flipV="1">
+            <a:off x="4365226" y="534217"/>
+            <a:ext cx="4294827" cy="1680332"/>
+          </a:xfrm>
+          <a:prstGeom prst="corner">
+            <a:avLst>
+              <a:gd name="adj1" fmla="val 100000"/>
+              <a:gd name="adj2" fmla="val 34845"/>
+            </a:avLst>
+          </a:prstGeom>
+          <a:solidFill>
+            <a:schemeClr val="bg1">
+              <a:lumMod val="75000"/>
+              <a:alpha val="30000"/>
+            </a:schemeClr>
+          </a:solidFill>
+          <a:ln>
+            <a:noFill/>
+          </a:ln>
+        </p:spPr>
+        <p:style>
+          <a:lnRef idx="2">
+            <a:schemeClr val="accent1">
+              <a:shade val="50000"/>
+            </a:schemeClr>
+          </a:lnRef>
+          <a:fillRef idx="1">
+            <a:schemeClr val="accent1"/>
+          </a:fillRef>
+          <a:effectRef idx="0">
+            <a:schemeClr val="accent1"/>
+          </a:effectRef>
+          <a:fontRef idx="minor">
+            <a:schemeClr val="lt1"/>
+          </a:fontRef>
+        </p:style>
+        <p:txBody>
+          <a:bodyPr rtlCol="0" anchor="ctr"/>
+          <a:lstStyle/>
+          <a:p>
+            <a:pPr algn="ctr"/>
+            <a:endParaRPr lang="en-US"/>
+          </a:p>
+        </p:txBody>
+      </p:sp>
+      <p:sp>
+        <p:nvSpPr>
+          <p:cNvPr id="37" name="Rectangle 36"/>
+          <p:cNvSpPr/>
+          <p:nvPr/>
+        </p:nvSpPr>
+        <p:spPr>
+          <a:xfrm>
+            <a:off x="6148324" y="1723425"/>
+            <a:ext cx="728630" cy="461665"/>
+          </a:xfrm>
+          <a:prstGeom prst="rect">
+            <a:avLst/>
+          </a:prstGeom>
+          <a:noFill/>
+        </p:spPr>
+        <p:txBody>
+          <a:bodyPr wrap="square" lIns="91440" tIns="45720" rIns="91440" bIns="45720">
+            <a:spAutoFit/>
+            <a:scene3d>
+              <a:camera prst="orthographicFront"/>
+              <a:lightRig rig="harsh" dir="t"/>
+            </a:scene3d>
+            <a:sp3d extrusionH="57150" prstMaterial="matte">
+              <a:bevelT w="63500" h="12700" prst="angle"/>
+              <a:contourClr>
+                <a:schemeClr val="bg1">
+                  <a:lumMod val="65000"/>
+                </a:schemeClr>
+              </a:contourClr>
+            </a:sp3d>
+          </a:bodyPr>
+          <a:lstStyle/>
+          <a:p>
+            <a:pPr algn="ctr"/>
+            <a:r>
+              <a:rPr lang="en-US" altLang="zh-CN" sz="2400" b="1" dirty="0" smtClean="0">
+                <a:ln/>
+                <a:solidFill>
+                  <a:schemeClr val="tx1">
+                    <a:lumMod val="75000"/>
+                    <a:lumOff val="25000"/>
+                  </a:schemeClr>
+                </a:solidFill>
+                <a:latin typeface="Times New Roman" charset="0"/>
+                <a:ea typeface="Times New Roman" charset="0"/>
+                <a:cs typeface="Times New Roman" charset="0"/>
+              </a:rPr>
+              <a:t>BM</a:t>
+            </a:r>
+            <a:endParaRPr lang="en-US" altLang="zh-CN" sz="2400" b="1" cap="none" spc="0" dirty="0">
+              <a:ln/>
+              <a:solidFill>
+                <a:schemeClr val="tx1">
+                  <a:lumMod val="75000"/>
+                  <a:lumOff val="25000"/>
+                </a:schemeClr>
+              </a:solidFill>
+              <a:effectLst/>
+              <a:latin typeface="Times New Roman" charset="0"/>
+              <a:ea typeface="Times New Roman" charset="0"/>
+              <a:cs typeface="Times New Roman" charset="0"/>
+            </a:endParaRPr>
+          </a:p>
+        </p:txBody>
+      </p:sp>
+      <p:sp>
+        <p:nvSpPr>
+          <p:cNvPr id="2" name="Trapezoid 1"/>
+          <p:cNvSpPr/>
+          <p:nvPr/>
+        </p:nvSpPr>
+        <p:spPr>
+          <a:xfrm rot="5400000">
+            <a:off x="4530330" y="711568"/>
+            <a:ext cx="1119117" cy="1064525"/>
+          </a:xfrm>
+          <a:prstGeom prst="trapezoid">
+            <a:avLst/>
+          </a:prstGeom>
+          <a:solidFill>
+            <a:schemeClr val="tx1">
+              <a:lumMod val="50000"/>
+              <a:lumOff val="50000"/>
+            </a:schemeClr>
+          </a:solidFill>
+          <a:ln>
+            <a:noFill/>
+          </a:ln>
+        </p:spPr>
+        <p:style>
+          <a:lnRef idx="2">
+            <a:schemeClr val="accent1">
+              <a:shade val="50000"/>
+            </a:schemeClr>
+          </a:lnRef>
+          <a:fillRef idx="1">
+            <a:schemeClr val="accent1"/>
+          </a:fillRef>
+          <a:effectRef idx="0">
+            <a:schemeClr val="accent1"/>
+          </a:effectRef>
+          <a:fontRef idx="minor">
+            <a:schemeClr val="lt1"/>
+          </a:fontRef>
+        </p:style>
+        <p:txBody>
+          <a:bodyPr rtlCol="0" anchor="ctr"/>
+          <a:lstStyle/>
+          <a:p>
+            <a:pPr algn="ctr"/>
+            <a:endParaRPr lang="en-US">
+              <a:solidFill>
+                <a:schemeClr val="accent4">
+                  <a:lumMod val="60000"/>
+                  <a:lumOff val="40000"/>
+                </a:schemeClr>
+              </a:solidFill>
+            </a:endParaRPr>
+          </a:p>
+        </p:txBody>
+      </p:sp>
+      <p:sp>
+        <p:nvSpPr>
+          <p:cNvPr id="14" name="Trapezoid 13"/>
+          <p:cNvSpPr/>
+          <p:nvPr/>
+        </p:nvSpPr>
+        <p:spPr>
+          <a:xfrm rot="16200000">
+            <a:off x="7375833" y="710557"/>
+            <a:ext cx="1119117" cy="1064525"/>
+          </a:xfrm>
+          <a:prstGeom prst="trapezoid">
+            <a:avLst/>
+          </a:prstGeom>
+          <a:solidFill>
+            <a:schemeClr val="tx1">
+              <a:lumMod val="50000"/>
+              <a:lumOff val="50000"/>
+            </a:schemeClr>
+          </a:solidFill>
+          <a:ln>
+            <a:noFill/>
+          </a:ln>
+        </p:spPr>
+        <p:style>
+          <a:lnRef idx="2">
+            <a:schemeClr val="accent1">
+              <a:shade val="50000"/>
+            </a:schemeClr>
+          </a:lnRef>
+          <a:fillRef idx="1">
+            <a:schemeClr val="accent1"/>
+          </a:fillRef>
+          <a:effectRef idx="0">
+            <a:schemeClr val="accent1"/>
+          </a:effectRef>
+          <a:fontRef idx="minor">
+            <a:schemeClr val="lt1"/>
+          </a:fontRef>
+        </p:style>
+        <p:txBody>
+          <a:bodyPr rtlCol="0" anchor="ctr"/>
+          <a:lstStyle/>
+          <a:p>
+            <a:pPr algn="ctr"/>
+            <a:endParaRPr lang="en-US">
+              <a:solidFill>
+                <a:schemeClr val="accent4">
+                  <a:lumMod val="60000"/>
+                  <a:lumOff val="40000"/>
+                </a:schemeClr>
+              </a:solidFill>
+            </a:endParaRPr>
+          </a:p>
+        </p:txBody>
+      </p:sp>
+      <p:sp>
+        <p:nvSpPr>
+          <p:cNvPr id="3" name="Rectangle 2"/>
+          <p:cNvSpPr/>
+          <p:nvPr/>
+        </p:nvSpPr>
+        <p:spPr>
+          <a:xfrm>
+            <a:off x="5790264" y="966481"/>
+            <a:ext cx="1444752" cy="567487"/>
+          </a:xfrm>
+          <a:prstGeom prst="rect">
+            <a:avLst/>
+          </a:prstGeom>
+          <a:solidFill>
+            <a:schemeClr val="tx1">
+              <a:lumMod val="50000"/>
+              <a:lumOff val="50000"/>
+            </a:schemeClr>
+          </a:solidFill>
+          <a:ln>
+            <a:noFill/>
+          </a:ln>
+        </p:spPr>
+        <p:style>
+          <a:lnRef idx="2">
+            <a:schemeClr val="accent1">
+              <a:shade val="50000"/>
+            </a:schemeClr>
+          </a:lnRef>
+          <a:fillRef idx="1">
+            <a:schemeClr val="accent1"/>
+          </a:fillRef>
+          <a:effectRef idx="0">
+            <a:schemeClr val="accent1"/>
+          </a:effectRef>
+          <a:fontRef idx="minor">
+            <a:schemeClr val="lt1"/>
+          </a:fontRef>
+        </p:style>
+        <p:txBody>
+          <a:bodyPr rtlCol="0" anchor="ctr"/>
+          <a:lstStyle/>
+          <a:p>
+            <a:pPr algn="ctr"/>
+            <a:endParaRPr lang="en-US"/>
+          </a:p>
+        </p:txBody>
+      </p:sp>
+      <p:sp>
+        <p:nvSpPr>
+          <p:cNvPr id="16" name="L-Shape 15"/>
+          <p:cNvSpPr/>
+          <p:nvPr/>
+        </p:nvSpPr>
+        <p:spPr>
+          <a:xfrm rot="10800000" flipV="1">
+            <a:off x="4365226" y="4022973"/>
+            <a:ext cx="4294827" cy="1680332"/>
+          </a:xfrm>
+          <a:prstGeom prst="corner">
+            <a:avLst>
+              <a:gd name="adj1" fmla="val 100000"/>
+              <a:gd name="adj2" fmla="val 34845"/>
+            </a:avLst>
+          </a:prstGeom>
+          <a:solidFill>
+            <a:schemeClr val="bg1">
+              <a:lumMod val="75000"/>
+              <a:alpha val="30000"/>
+            </a:schemeClr>
+          </a:solidFill>
+          <a:ln>
+            <a:noFill/>
+          </a:ln>
+        </p:spPr>
+        <p:style>
+          <a:lnRef idx="2">
+            <a:schemeClr val="accent1">
+              <a:shade val="50000"/>
+            </a:schemeClr>
+          </a:lnRef>
+          <a:fillRef idx="1">
+            <a:schemeClr val="accent1"/>
+          </a:fillRef>
+          <a:effectRef idx="0">
+            <a:schemeClr val="accent1"/>
+          </a:effectRef>
+          <a:fontRef idx="minor">
+            <a:schemeClr val="lt1"/>
+          </a:fontRef>
+        </p:style>
+        <p:txBody>
+          <a:bodyPr rtlCol="0" anchor="ctr"/>
+          <a:lstStyle/>
+          <a:p>
+            <a:pPr algn="ctr"/>
+            <a:endParaRPr lang="en-US"/>
+          </a:p>
+        </p:txBody>
+      </p:sp>
+      <p:sp>
+        <p:nvSpPr>
+          <p:cNvPr id="17" name="Rectangle 16"/>
+          <p:cNvSpPr/>
+          <p:nvPr/>
+        </p:nvSpPr>
+        <p:spPr>
+          <a:xfrm>
+            <a:off x="5659732" y="5208449"/>
+            <a:ext cx="1705816" cy="461665"/>
+          </a:xfrm>
+          <a:prstGeom prst="rect">
+            <a:avLst/>
+          </a:prstGeom>
+          <a:noFill/>
+        </p:spPr>
+        <p:txBody>
+          <a:bodyPr wrap="square" lIns="91440" tIns="45720" rIns="91440" bIns="45720">
+            <a:spAutoFit/>
+            <a:scene3d>
+              <a:camera prst="orthographicFront"/>
+              <a:lightRig rig="harsh" dir="t"/>
+            </a:scene3d>
+            <a:sp3d extrusionH="57150" prstMaterial="matte">
+              <a:bevelT w="63500" h="12700" prst="angle"/>
+              <a:contourClr>
+                <a:schemeClr val="bg1">
+                  <a:lumMod val="65000"/>
+                </a:schemeClr>
+              </a:contourClr>
+            </a:sp3d>
+          </a:bodyPr>
+          <a:lstStyle/>
+          <a:p>
+            <a:pPr algn="ctr"/>
+            <a:r>
+              <a:rPr lang="en-US" altLang="zh-CN" sz="2400" b="1" dirty="0" smtClean="0">
+                <a:ln/>
+                <a:solidFill>
+                  <a:schemeClr val="tx1">
+                    <a:lumMod val="75000"/>
+                    <a:lumOff val="25000"/>
+                  </a:schemeClr>
+                </a:solidFill>
+                <a:latin typeface="Times New Roman" charset="0"/>
+                <a:ea typeface="Times New Roman" charset="0"/>
+                <a:cs typeface="Times New Roman" charset="0"/>
+              </a:rPr>
+              <a:t>Shared</a:t>
+            </a:r>
+            <a:r>
+              <a:rPr lang="zh-CN" altLang="en-US" sz="2400" b="1" dirty="0" smtClean="0">
+                <a:ln/>
+                <a:solidFill>
+                  <a:schemeClr val="tx1">
+                    <a:lumMod val="75000"/>
+                    <a:lumOff val="25000"/>
+                  </a:schemeClr>
+                </a:solidFill>
+                <a:latin typeface="Times New Roman" charset="0"/>
+                <a:ea typeface="Times New Roman" charset="0"/>
+                <a:cs typeface="Times New Roman" charset="0"/>
+              </a:rPr>
+              <a:t> </a:t>
+            </a:r>
+            <a:r>
+              <a:rPr lang="en-US" altLang="zh-CN" sz="2400" b="1" dirty="0" smtClean="0">
+                <a:ln/>
+                <a:solidFill>
+                  <a:schemeClr val="tx1">
+                    <a:lumMod val="75000"/>
+                    <a:lumOff val="25000"/>
+                  </a:schemeClr>
+                </a:solidFill>
+                <a:latin typeface="Times New Roman" charset="0"/>
+                <a:ea typeface="Times New Roman" charset="0"/>
+                <a:cs typeface="Times New Roman" charset="0"/>
+              </a:rPr>
+              <a:t>BM</a:t>
+            </a:r>
+            <a:endParaRPr lang="en-US" altLang="zh-CN" sz="2400" b="1" cap="none" spc="0" dirty="0">
+              <a:ln/>
+              <a:solidFill>
+                <a:schemeClr val="tx1">
+                  <a:lumMod val="75000"/>
+                  <a:lumOff val="25000"/>
+                </a:schemeClr>
+              </a:solidFill>
+              <a:effectLst/>
+              <a:latin typeface="Times New Roman" charset="0"/>
+              <a:ea typeface="Times New Roman" charset="0"/>
+              <a:cs typeface="Times New Roman" charset="0"/>
+            </a:endParaRPr>
+          </a:p>
+        </p:txBody>
+      </p:sp>
+      <p:sp>
+        <p:nvSpPr>
+          <p:cNvPr id="18" name="Trapezoid 17"/>
+          <p:cNvSpPr/>
+          <p:nvPr/>
+        </p:nvSpPr>
+        <p:spPr>
+          <a:xfrm rot="5400000">
+            <a:off x="4530330" y="4200324"/>
+            <a:ext cx="1119117" cy="1064525"/>
+          </a:xfrm>
+          <a:prstGeom prst="trapezoid">
+            <a:avLst/>
+          </a:prstGeom>
+          <a:solidFill>
+            <a:schemeClr val="tx1">
+              <a:lumMod val="50000"/>
+              <a:lumOff val="50000"/>
+            </a:schemeClr>
+          </a:solidFill>
+          <a:ln>
+            <a:noFill/>
+          </a:ln>
+        </p:spPr>
+        <p:style>
+          <a:lnRef idx="2">
+            <a:schemeClr val="accent1">
+              <a:shade val="50000"/>
+            </a:schemeClr>
+          </a:lnRef>
+          <a:fillRef idx="1">
+            <a:schemeClr val="accent1"/>
+          </a:fillRef>
+          <a:effectRef idx="0">
+            <a:schemeClr val="accent1"/>
+          </a:effectRef>
+          <a:fontRef idx="minor">
+            <a:schemeClr val="lt1"/>
+          </a:fontRef>
+        </p:style>
+        <p:txBody>
+          <a:bodyPr rtlCol="0" anchor="ctr"/>
+          <a:lstStyle/>
+          <a:p>
+            <a:pPr algn="ctr"/>
+            <a:endParaRPr lang="en-US">
+              <a:solidFill>
+                <a:schemeClr val="accent4">
+                  <a:lumMod val="60000"/>
+                  <a:lumOff val="40000"/>
+                </a:schemeClr>
+              </a:solidFill>
+            </a:endParaRPr>
+          </a:p>
+        </p:txBody>
+      </p:sp>
+      <p:sp>
+        <p:nvSpPr>
+          <p:cNvPr id="19" name="Trapezoid 18"/>
+          <p:cNvSpPr/>
+          <p:nvPr/>
+        </p:nvSpPr>
+        <p:spPr>
+          <a:xfrm rot="16200000">
+            <a:off x="7375833" y="4199313"/>
+            <a:ext cx="1119117" cy="1064525"/>
+          </a:xfrm>
+          <a:prstGeom prst="trapezoid">
+            <a:avLst/>
+          </a:prstGeom>
+          <a:solidFill>
+            <a:schemeClr val="tx1">
+              <a:lumMod val="50000"/>
+              <a:lumOff val="50000"/>
+            </a:schemeClr>
+          </a:solidFill>
+          <a:ln>
+            <a:noFill/>
+          </a:ln>
+        </p:spPr>
+        <p:style>
+          <a:lnRef idx="2">
+            <a:schemeClr val="accent1">
+              <a:shade val="50000"/>
+            </a:schemeClr>
+          </a:lnRef>
+          <a:fillRef idx="1">
+            <a:schemeClr val="accent1"/>
+          </a:fillRef>
+          <a:effectRef idx="0">
+            <a:schemeClr val="accent1"/>
+          </a:effectRef>
+          <a:fontRef idx="minor">
+            <a:schemeClr val="lt1"/>
+          </a:fontRef>
+        </p:style>
+        <p:txBody>
+          <a:bodyPr rtlCol="0" anchor="ctr"/>
+          <a:lstStyle/>
+          <a:p>
+            <a:pPr algn="ctr"/>
+            <a:endParaRPr lang="en-US">
+              <a:solidFill>
+                <a:schemeClr val="accent4">
+                  <a:lumMod val="60000"/>
+                  <a:lumOff val="40000"/>
+                </a:schemeClr>
+              </a:solidFill>
+            </a:endParaRPr>
+          </a:p>
+        </p:txBody>
+      </p:sp>
+      <p:sp>
+        <p:nvSpPr>
+          <p:cNvPr id="20" name="Rectangle 19"/>
+          <p:cNvSpPr/>
+          <p:nvPr/>
+        </p:nvSpPr>
+        <p:spPr>
+          <a:xfrm>
+            <a:off x="5790264" y="4455237"/>
+            <a:ext cx="1444752" cy="567487"/>
+          </a:xfrm>
+          <a:prstGeom prst="rect">
+            <a:avLst/>
+          </a:prstGeom>
+          <a:solidFill>
+            <a:schemeClr val="tx1">
+              <a:lumMod val="50000"/>
+              <a:lumOff val="50000"/>
+            </a:schemeClr>
+          </a:solidFill>
+          <a:ln>
+            <a:noFill/>
+          </a:ln>
+        </p:spPr>
+        <p:style>
+          <a:lnRef idx="2">
+            <a:schemeClr val="accent1">
+              <a:shade val="50000"/>
+            </a:schemeClr>
+          </a:lnRef>
+          <a:fillRef idx="1">
+            <a:schemeClr val="accent1"/>
+          </a:fillRef>
+          <a:effectRef idx="0">
+            <a:schemeClr val="accent1"/>
+          </a:effectRef>
+          <a:fontRef idx="minor">
+            <a:schemeClr val="lt1"/>
+          </a:fontRef>
+        </p:style>
+        <p:txBody>
+          <a:bodyPr rtlCol="0" anchor="ctr"/>
+          <a:lstStyle/>
+          <a:p>
+            <a:pPr algn="ctr"/>
+            <a:endParaRPr lang="en-US"/>
+          </a:p>
+        </p:txBody>
+      </p:sp>
+      <p:sp>
+        <p:nvSpPr>
+          <p:cNvPr id="24" name="Trapezoid 23"/>
+          <p:cNvSpPr/>
+          <p:nvPr/>
+        </p:nvSpPr>
+        <p:spPr>
+          <a:xfrm rot="16200000">
+            <a:off x="10435039" y="2731840"/>
+            <a:ext cx="1119117" cy="551813"/>
+          </a:xfrm>
+          <a:prstGeom prst="trapezoid">
+            <a:avLst>
+              <a:gd name="adj" fmla="val 61456"/>
+            </a:avLst>
+          </a:prstGeom>
+          <a:solidFill>
+            <a:schemeClr val="accent2">
+              <a:lumMod val="60000"/>
+              <a:lumOff val="40000"/>
+            </a:schemeClr>
+          </a:solidFill>
+          <a:ln>
+            <a:noFill/>
+          </a:ln>
+        </p:spPr>
+        <p:style>
+          <a:lnRef idx="2">
+            <a:schemeClr val="accent1">
+              <a:shade val="50000"/>
+            </a:schemeClr>
+          </a:lnRef>
+          <a:fillRef idx="1">
+            <a:schemeClr val="accent1"/>
+          </a:fillRef>
+          <a:effectRef idx="0">
+            <a:schemeClr val="accent1"/>
+          </a:effectRef>
+          <a:fontRef idx="minor">
+            <a:schemeClr val="lt1"/>
+          </a:fontRef>
+        </p:style>
+        <p:txBody>
+          <a:bodyPr rtlCol="0" anchor="ctr"/>
+          <a:lstStyle/>
+          <a:p>
+            <a:pPr algn="ctr"/>
+            <a:endParaRPr lang="en-US">
+              <a:solidFill>
+                <a:schemeClr val="accent4">
+                  <a:lumMod val="60000"/>
+                  <a:lumOff val="40000"/>
+                </a:schemeClr>
+              </a:solidFill>
+            </a:endParaRPr>
+          </a:p>
+        </p:txBody>
+      </p:sp>
+      <p:sp>
+        <p:nvSpPr>
+          <p:cNvPr id="25" name="Trapezoid 24"/>
+          <p:cNvSpPr/>
+          <p:nvPr/>
+        </p:nvSpPr>
+        <p:spPr>
+          <a:xfrm rot="5400000">
+            <a:off x="9883226" y="2731840"/>
+            <a:ext cx="1119117" cy="551813"/>
+          </a:xfrm>
+          <a:prstGeom prst="trapezoid">
+            <a:avLst>
+              <a:gd name="adj" fmla="val 61456"/>
+            </a:avLst>
+          </a:prstGeom>
+          <a:solidFill>
+            <a:schemeClr val="accent2">
+              <a:lumMod val="60000"/>
+              <a:lumOff val="40000"/>
+            </a:schemeClr>
+          </a:solidFill>
+          <a:ln>
+            <a:noFill/>
+          </a:ln>
+        </p:spPr>
+        <p:style>
+          <a:lnRef idx="2">
+            <a:schemeClr val="accent1">
+              <a:shade val="50000"/>
+            </a:schemeClr>
+          </a:lnRef>
+          <a:fillRef idx="1">
+            <a:schemeClr val="accent1"/>
+          </a:fillRef>
+          <a:effectRef idx="0">
+            <a:schemeClr val="accent1"/>
+          </a:effectRef>
+          <a:fontRef idx="minor">
+            <a:schemeClr val="lt1"/>
+          </a:fontRef>
+        </p:style>
+        <p:txBody>
+          <a:bodyPr rtlCol="0" anchor="ctr"/>
+          <a:lstStyle/>
+          <a:p>
+            <a:pPr algn="ctr"/>
+            <a:endParaRPr lang="en-US">
+              <a:solidFill>
+                <a:schemeClr val="accent4">
+                  <a:lumMod val="60000"/>
+                  <a:lumOff val="40000"/>
+                </a:schemeClr>
+              </a:solidFill>
+            </a:endParaRPr>
+          </a:p>
+        </p:txBody>
+      </p:sp>
+      <p:sp>
+        <p:nvSpPr>
+          <p:cNvPr id="29" name="Rectangle 28"/>
+          <p:cNvSpPr/>
+          <p:nvPr/>
+        </p:nvSpPr>
+        <p:spPr>
+          <a:xfrm>
+            <a:off x="10310826" y="3503069"/>
+            <a:ext cx="831782" cy="461665"/>
+          </a:xfrm>
+          <a:prstGeom prst="rect">
+            <a:avLst/>
+          </a:prstGeom>
+          <a:noFill/>
+        </p:spPr>
+        <p:txBody>
+          <a:bodyPr wrap="square" lIns="91440" tIns="45720" rIns="91440" bIns="45720">
+            <a:spAutoFit/>
+            <a:scene3d>
+              <a:camera prst="orthographicFront"/>
+              <a:lightRig rig="harsh" dir="t"/>
+            </a:scene3d>
+            <a:sp3d extrusionH="57150" prstMaterial="matte">
+              <a:bevelT w="63500" h="12700" prst="angle"/>
+              <a:contourClr>
+                <a:schemeClr val="bg1">
+                  <a:lumMod val="65000"/>
+                </a:schemeClr>
+              </a:contourClr>
+            </a:sp3d>
+          </a:bodyPr>
+          <a:lstStyle/>
+          <a:p>
+            <a:pPr algn="ctr"/>
+            <a:r>
+              <a:rPr lang="en-US" altLang="zh-CN" sz="2400" b="1" dirty="0" smtClean="0">
+                <a:ln/>
+                <a:solidFill>
+                  <a:schemeClr val="tx1">
+                    <a:lumMod val="75000"/>
+                    <a:lumOff val="25000"/>
+                  </a:schemeClr>
+                </a:solidFill>
+                <a:latin typeface="Times New Roman" charset="0"/>
+                <a:ea typeface="Times New Roman" charset="0"/>
+                <a:cs typeface="Times New Roman" charset="0"/>
+              </a:rPr>
+              <a:t>RM</a:t>
+            </a:r>
+            <a:endParaRPr lang="en-US" altLang="zh-CN" sz="2400" b="1" cap="none" spc="0" dirty="0">
+              <a:ln/>
+              <a:solidFill>
+                <a:schemeClr val="tx1">
+                  <a:lumMod val="75000"/>
+                  <a:lumOff val="25000"/>
+                </a:schemeClr>
+              </a:solidFill>
+              <a:effectLst/>
+              <a:latin typeface="Times New Roman" charset="0"/>
+              <a:ea typeface="Times New Roman" charset="0"/>
+              <a:cs typeface="Times New Roman" charset="0"/>
+            </a:endParaRPr>
+          </a:p>
+        </p:txBody>
+      </p:sp>
       <p:pic>
         <p:nvPicPr>
-          <p:cNvPr id="5" name="Picture 4"/>
+          <p:cNvPr id="4" name="Picture 3"/>
           <p:cNvPicPr>
             <a:picLocks noChangeAspect="1"/>
           </p:cNvPicPr>
@@ -2986,24 +4358,521 @@
         </p:blipFill>
         <p:spPr>
           <a:xfrm>
-            <a:off x="1528548" y="1257490"/>
-            <a:ext cx="9089409" cy="3780993"/>
+            <a:off x="2479549" y="4234006"/>
+            <a:ext cx="720000" cy="720000"/>
           </a:xfrm>
           <a:prstGeom prst="rect">
             <a:avLst/>
           </a:prstGeom>
         </p:spPr>
       </p:pic>
+      <p:pic>
+        <p:nvPicPr>
+          <p:cNvPr id="6" name="Picture 5"/>
+          <p:cNvPicPr>
+            <a:picLocks noChangeAspect="1"/>
+          </p:cNvPicPr>
+          <p:nvPr/>
+        </p:nvPicPr>
+        <p:blipFill>
+          <a:blip r:embed="rId3">
+            <a:extLst>
+              <a:ext uri="{28A0092B-C50C-407E-A947-70E740481C1C}">
+                <a14:useLocalDpi xmlns:a14="http://schemas.microsoft.com/office/drawing/2010/main" val="0"/>
+              </a:ext>
+            </a:extLst>
+          </a:blip>
+          <a:stretch>
+            <a:fillRect/>
+          </a:stretch>
+        </p:blipFill>
+        <p:spPr>
+          <a:xfrm>
+            <a:off x="2619249" y="4373706"/>
+            <a:ext cx="720000" cy="720000"/>
+          </a:xfrm>
+          <a:prstGeom prst="rect">
+            <a:avLst/>
+          </a:prstGeom>
+        </p:spPr>
+      </p:pic>
+      <p:pic>
+        <p:nvPicPr>
+          <p:cNvPr id="8" name="Picture 7"/>
+          <p:cNvPicPr>
+            <a:picLocks noChangeAspect="1"/>
+          </p:cNvPicPr>
+          <p:nvPr/>
+        </p:nvPicPr>
+        <p:blipFill>
+          <a:blip r:embed="rId4">
+            <a:extLst>
+              <a:ext uri="{28A0092B-C50C-407E-A947-70E740481C1C}">
+                <a14:useLocalDpi xmlns:a14="http://schemas.microsoft.com/office/drawing/2010/main" val="0"/>
+              </a:ext>
+            </a:extLst>
+          </a:blip>
+          <a:stretch>
+            <a:fillRect/>
+          </a:stretch>
+        </p:blipFill>
+        <p:spPr>
+          <a:xfrm>
+            <a:off x="2771649" y="4526106"/>
+            <a:ext cx="720000" cy="720000"/>
+          </a:xfrm>
+          <a:prstGeom prst="rect">
+            <a:avLst/>
+          </a:prstGeom>
+        </p:spPr>
+      </p:pic>
+      <p:pic>
+        <p:nvPicPr>
+          <p:cNvPr id="10" name="Picture 9"/>
+          <p:cNvPicPr>
+            <a:picLocks noChangeAspect="1"/>
+          </p:cNvPicPr>
+          <p:nvPr/>
+        </p:nvPicPr>
+        <p:blipFill>
+          <a:blip r:embed="rId5">
+            <a:extLst>
+              <a:ext uri="{28A0092B-C50C-407E-A947-70E740481C1C}">
+                <a14:useLocalDpi xmlns:a14="http://schemas.microsoft.com/office/drawing/2010/main" val="0"/>
+              </a:ext>
+            </a:extLst>
+          </a:blip>
+          <a:stretch>
+            <a:fillRect/>
+          </a:stretch>
+        </p:blipFill>
+        <p:spPr>
+          <a:xfrm>
+            <a:off x="2924049" y="4678506"/>
+            <a:ext cx="720000" cy="720000"/>
+          </a:xfrm>
+          <a:prstGeom prst="rect">
+            <a:avLst/>
+          </a:prstGeom>
+        </p:spPr>
+      </p:pic>
+      <p:pic>
+        <p:nvPicPr>
+          <p:cNvPr id="11" name="Picture 10"/>
+          <p:cNvPicPr>
+            <a:picLocks noChangeAspect="1"/>
+          </p:cNvPicPr>
+          <p:nvPr/>
+        </p:nvPicPr>
+        <p:blipFill>
+          <a:blip r:embed="rId6">
+            <a:extLst>
+              <a:ext uri="{28A0092B-C50C-407E-A947-70E740481C1C}">
+                <a14:useLocalDpi xmlns:a14="http://schemas.microsoft.com/office/drawing/2010/main" val="0"/>
+              </a:ext>
+            </a:extLst>
+          </a:blip>
+          <a:stretch>
+            <a:fillRect/>
+          </a:stretch>
+        </p:blipFill>
+        <p:spPr>
+          <a:xfrm>
+            <a:off x="3076449" y="4830906"/>
+            <a:ext cx="720000" cy="720000"/>
+          </a:xfrm>
+          <a:prstGeom prst="rect">
+            <a:avLst/>
+          </a:prstGeom>
+        </p:spPr>
+      </p:pic>
+      <p:pic>
+        <p:nvPicPr>
+          <p:cNvPr id="12" name="Picture 11"/>
+          <p:cNvPicPr>
+            <a:picLocks noChangeAspect="1"/>
+          </p:cNvPicPr>
+          <p:nvPr/>
+        </p:nvPicPr>
+        <p:blipFill>
+          <a:blip r:embed="rId7">
+            <a:extLst>
+              <a:ext uri="{28A0092B-C50C-407E-A947-70E740481C1C}">
+                <a14:useLocalDpi xmlns:a14="http://schemas.microsoft.com/office/drawing/2010/main" val="0"/>
+              </a:ext>
+            </a:extLst>
+          </a:blip>
+          <a:stretch>
+            <a:fillRect/>
+          </a:stretch>
+        </p:blipFill>
+        <p:spPr>
+          <a:xfrm>
+            <a:off x="3228849" y="4983306"/>
+            <a:ext cx="720000" cy="720000"/>
+          </a:xfrm>
+          <a:prstGeom prst="rect">
+            <a:avLst/>
+          </a:prstGeom>
+        </p:spPr>
+      </p:pic>
+      <p:pic>
+        <p:nvPicPr>
+          <p:cNvPr id="30" name="Picture 29"/>
+          <p:cNvPicPr>
+            <a:picLocks noChangeAspect="1"/>
+          </p:cNvPicPr>
+          <p:nvPr/>
+        </p:nvPicPr>
+        <p:blipFill>
+          <a:blip r:embed="rId8">
+            <a:extLst>
+              <a:ext uri="{28A0092B-C50C-407E-A947-70E740481C1C}">
+                <a14:useLocalDpi xmlns:a14="http://schemas.microsoft.com/office/drawing/2010/main" val="0"/>
+              </a:ext>
+            </a:extLst>
+          </a:blip>
+          <a:stretch>
+            <a:fillRect/>
+          </a:stretch>
+        </p:blipFill>
+        <p:spPr>
+          <a:xfrm>
+            <a:off x="2033359" y="806190"/>
+            <a:ext cx="2160000" cy="1080000"/>
+          </a:xfrm>
+          <a:prstGeom prst="rect">
+            <a:avLst/>
+          </a:prstGeom>
+        </p:spPr>
+      </p:pic>
+      <p:pic>
+        <p:nvPicPr>
+          <p:cNvPr id="31" name="Picture 30"/>
+          <p:cNvPicPr>
+            <a:picLocks noChangeAspect="1"/>
+          </p:cNvPicPr>
+          <p:nvPr/>
+        </p:nvPicPr>
+        <p:blipFill rotWithShape="1">
+          <a:blip r:embed="rId9">
+            <a:extLst>
+              <a:ext uri="{28A0092B-C50C-407E-A947-70E740481C1C}">
+                <a14:useLocalDpi xmlns:a14="http://schemas.microsoft.com/office/drawing/2010/main" val="0"/>
+              </a:ext>
+            </a:extLst>
+          </a:blip>
+          <a:srcRect l="40124" t="30252" r="40509" b="29895"/>
+          <a:stretch/>
+        </p:blipFill>
+        <p:spPr>
+          <a:xfrm>
+            <a:off x="2329619" y="2311832"/>
+            <a:ext cx="1567480" cy="1582494"/>
+          </a:xfrm>
+          <a:prstGeom prst="rect">
+            <a:avLst/>
+          </a:prstGeom>
+        </p:spPr>
+      </p:pic>
+      <p:pic>
+        <p:nvPicPr>
+          <p:cNvPr id="1026" name="Picture 2" descr="udio Icon Png #320657 - Free Icons Library"/>
+          <p:cNvPicPr>
+            <a:picLocks noChangeAspect="1" noChangeArrowheads="1"/>
+          </p:cNvPicPr>
+          <p:nvPr/>
+        </p:nvPicPr>
+        <p:blipFill>
+          <a:blip r:embed="rId10">
+            <a:extLst>
+              <a:ext uri="{28A0092B-C50C-407E-A947-70E740481C1C}">
+                <a14:useLocalDpi xmlns:a14="http://schemas.microsoft.com/office/drawing/2010/main" val="0"/>
+              </a:ext>
+            </a:extLst>
+          </a:blip>
+          <a:srcRect/>
+          <a:stretch>
+            <a:fillRect/>
+          </a:stretch>
+        </p:blipFill>
+        <p:spPr bwMode="auto">
+          <a:xfrm>
+            <a:off x="4775023" y="2615809"/>
+            <a:ext cx="1493081" cy="934935"/>
+          </a:xfrm>
+          <a:prstGeom prst="rect">
+            <a:avLst/>
+          </a:prstGeom>
+          <a:noFill/>
+          <a:extLst>
+            <a:ext uri="{909E8E84-426E-40DD-AFC4-6F175D3DCCD1}">
+              <a14:hiddenFill xmlns:a14="http://schemas.microsoft.com/office/drawing/2010/main">
+                <a:solidFill>
+                  <a:srgbClr val="FFFFFF"/>
+                </a:solidFill>
+              </a14:hiddenFill>
+            </a:ext>
+          </a:extLst>
+        </p:spPr>
+      </p:pic>
+      <p:sp>
+        <p:nvSpPr>
+          <p:cNvPr id="32" name="Left Brace 31"/>
+          <p:cNvSpPr/>
+          <p:nvPr/>
+        </p:nvSpPr>
+        <p:spPr>
+          <a:xfrm>
+            <a:off x="915502" y="1213591"/>
+            <a:ext cx="377848" cy="3748868"/>
+          </a:xfrm>
+          <a:prstGeom prst="leftBrace">
+            <a:avLst/>
+          </a:prstGeom>
+          <a:ln w="31750">
+            <a:solidFill>
+              <a:schemeClr val="tx1">
+                <a:lumMod val="85000"/>
+                <a:lumOff val="15000"/>
+              </a:schemeClr>
+            </a:solidFill>
+          </a:ln>
+        </p:spPr>
+        <p:style>
+          <a:lnRef idx="1">
+            <a:schemeClr val="accent1"/>
+          </a:lnRef>
+          <a:fillRef idx="0">
+            <a:schemeClr val="accent1"/>
+          </a:fillRef>
+          <a:effectRef idx="0">
+            <a:schemeClr val="accent1"/>
+          </a:effectRef>
+          <a:fontRef idx="minor">
+            <a:schemeClr val="tx1"/>
+          </a:fontRef>
+        </p:style>
+        <p:txBody>
+          <a:bodyPr rtlCol="0" anchor="ctr"/>
+          <a:lstStyle/>
+          <a:p>
+            <a:pPr algn="ctr"/>
+            <a:endParaRPr lang="en-US"/>
+          </a:p>
+        </p:txBody>
+      </p:sp>
+      <p:sp>
+        <p:nvSpPr>
+          <p:cNvPr id="38" name="Rectangle 37"/>
+          <p:cNvSpPr/>
+          <p:nvPr/>
+        </p:nvSpPr>
+        <p:spPr>
+          <a:xfrm>
+            <a:off x="1323683" y="1019391"/>
+            <a:ext cx="728630" cy="461665"/>
+          </a:xfrm>
+          <a:prstGeom prst="rect">
+            <a:avLst/>
+          </a:prstGeom>
+          <a:noFill/>
+        </p:spPr>
+        <p:txBody>
+          <a:bodyPr wrap="square" lIns="91440" tIns="45720" rIns="91440" bIns="45720">
+            <a:spAutoFit/>
+            <a:scene3d>
+              <a:camera prst="orthographicFront"/>
+              <a:lightRig rig="harsh" dir="t"/>
+            </a:scene3d>
+            <a:sp3d extrusionH="57150" prstMaterial="matte">
+              <a:bevelT w="63500" h="12700" prst="angle"/>
+              <a:contourClr>
+                <a:schemeClr val="bg1">
+                  <a:lumMod val="65000"/>
+                </a:schemeClr>
+              </a:contourClr>
+            </a:sp3d>
+          </a:bodyPr>
+          <a:lstStyle/>
+          <a:p>
+            <a:pPr algn="ctr"/>
+            <a:r>
+              <a:rPr lang="en-US" altLang="zh-CN" sz="2400" b="1" smtClean="0">
+                <a:ln/>
+                <a:solidFill>
+                  <a:schemeClr val="tx1">
+                    <a:lumMod val="75000"/>
+                    <a:lumOff val="25000"/>
+                  </a:schemeClr>
+                </a:solidFill>
+                <a:latin typeface="Times New Roman" charset="0"/>
+                <a:ea typeface="Times New Roman" charset="0"/>
+                <a:cs typeface="Times New Roman" charset="0"/>
+              </a:rPr>
+              <a:t>ER</a:t>
+            </a:r>
+            <a:endParaRPr lang="en-US" altLang="zh-CN" sz="2400" b="1" cap="none" spc="0" dirty="0">
+              <a:ln/>
+              <a:solidFill>
+                <a:schemeClr val="tx1">
+                  <a:lumMod val="75000"/>
+                  <a:lumOff val="25000"/>
+                </a:schemeClr>
+              </a:solidFill>
+              <a:effectLst/>
+              <a:latin typeface="Times New Roman" charset="0"/>
+              <a:ea typeface="Times New Roman" charset="0"/>
+              <a:cs typeface="Times New Roman" charset="0"/>
+            </a:endParaRPr>
+          </a:p>
+        </p:txBody>
+      </p:sp>
+      <p:sp>
+        <p:nvSpPr>
+          <p:cNvPr id="39" name="Rectangle 38"/>
+          <p:cNvSpPr/>
+          <p:nvPr/>
+        </p:nvSpPr>
+        <p:spPr>
+          <a:xfrm>
+            <a:off x="1217530" y="4719850"/>
+            <a:ext cx="934292" cy="461665"/>
+          </a:xfrm>
+          <a:prstGeom prst="rect">
+            <a:avLst/>
+          </a:prstGeom>
+          <a:noFill/>
+        </p:spPr>
+        <p:txBody>
+          <a:bodyPr wrap="square" lIns="91440" tIns="45720" rIns="91440" bIns="45720">
+            <a:spAutoFit/>
+            <a:scene3d>
+              <a:camera prst="orthographicFront"/>
+              <a:lightRig rig="harsh" dir="t"/>
+            </a:scene3d>
+            <a:sp3d extrusionH="57150" prstMaterial="matte">
+              <a:bevelT w="63500" h="12700" prst="angle"/>
+              <a:contourClr>
+                <a:schemeClr val="bg1">
+                  <a:lumMod val="65000"/>
+                </a:schemeClr>
+              </a:contourClr>
+            </a:sp3d>
+          </a:bodyPr>
+          <a:lstStyle/>
+          <a:p>
+            <a:pPr algn="ctr"/>
+            <a:r>
+              <a:rPr lang="en-US" altLang="zh-CN" sz="2400" b="1" smtClean="0">
+                <a:ln/>
+                <a:solidFill>
+                  <a:schemeClr val="tx1">
+                    <a:lumMod val="75000"/>
+                    <a:lumOff val="25000"/>
+                  </a:schemeClr>
+                </a:solidFill>
+                <a:latin typeface="Times New Roman" charset="0"/>
+                <a:ea typeface="Times New Roman" charset="0"/>
+                <a:cs typeface="Times New Roman" charset="0"/>
+              </a:rPr>
+              <a:t>CMs</a:t>
+            </a:r>
+            <a:endParaRPr lang="en-US" altLang="zh-CN" sz="2400" b="1" cap="none" spc="0" dirty="0">
+              <a:ln/>
+              <a:solidFill>
+                <a:schemeClr val="tx1">
+                  <a:lumMod val="75000"/>
+                  <a:lumOff val="25000"/>
+                </a:schemeClr>
+              </a:solidFill>
+              <a:effectLst/>
+              <a:latin typeface="Times New Roman" charset="0"/>
+              <a:ea typeface="Times New Roman" charset="0"/>
+              <a:cs typeface="Times New Roman" charset="0"/>
+            </a:endParaRPr>
+          </a:p>
+        </p:txBody>
+      </p:sp>
+      <p:sp>
+        <p:nvSpPr>
+          <p:cNvPr id="40" name="Rectangle 39"/>
+          <p:cNvSpPr/>
+          <p:nvPr/>
+        </p:nvSpPr>
+        <p:spPr>
+          <a:xfrm>
+            <a:off x="1128686" y="2857192"/>
+            <a:ext cx="1118624" cy="461665"/>
+          </a:xfrm>
+          <a:prstGeom prst="rect">
+            <a:avLst/>
+          </a:prstGeom>
+          <a:noFill/>
+        </p:spPr>
+        <p:txBody>
+          <a:bodyPr wrap="square" lIns="91440" tIns="45720" rIns="91440" bIns="45720">
+            <a:spAutoFit/>
+            <a:scene3d>
+              <a:camera prst="orthographicFront"/>
+              <a:lightRig rig="harsh" dir="t"/>
+            </a:scene3d>
+            <a:sp3d extrusionH="57150" prstMaterial="matte">
+              <a:bevelT w="63500" h="12700" prst="angle"/>
+              <a:contourClr>
+                <a:schemeClr val="bg1">
+                  <a:lumMod val="65000"/>
+                </a:schemeClr>
+              </a:contourClr>
+            </a:sp3d>
+          </a:bodyPr>
+          <a:lstStyle/>
+          <a:p>
+            <a:pPr algn="ctr"/>
+            <a:r>
+              <a:rPr lang="en-US" altLang="zh-CN" sz="2400" b="1" smtClean="0">
+                <a:ln/>
+                <a:solidFill>
+                  <a:schemeClr val="tx1">
+                    <a:lumMod val="75000"/>
+                    <a:lumOff val="25000"/>
+                  </a:schemeClr>
+                </a:solidFill>
+                <a:latin typeface="Times New Roman" charset="0"/>
+                <a:ea typeface="Times New Roman" charset="0"/>
+                <a:cs typeface="Times New Roman" charset="0"/>
+              </a:rPr>
+              <a:t>Sphere</a:t>
+            </a:r>
+            <a:endParaRPr lang="en-US" altLang="zh-CN" sz="2400" b="1" cap="none" spc="0" dirty="0">
+              <a:ln/>
+              <a:solidFill>
+                <a:schemeClr val="tx1">
+                  <a:lumMod val="75000"/>
+                  <a:lumOff val="25000"/>
+                </a:schemeClr>
+              </a:solidFill>
+              <a:effectLst/>
+              <a:latin typeface="Times New Roman" charset="0"/>
+              <a:ea typeface="Times New Roman" charset="0"/>
+              <a:cs typeface="Times New Roman" charset="0"/>
+            </a:endParaRPr>
+          </a:p>
+        </p:txBody>
+      </p:sp>
       <p:cxnSp>
         <p:nvCxnSpPr>
-          <p:cNvPr id="7" name="Straight Arrow Connector 6"/>
-          <p:cNvCxnSpPr/>
+          <p:cNvPr id="35" name="Straight Arrow Connector 34"/>
+          <p:cNvCxnSpPr>
+            <a:stCxn id="38" idx="2"/>
+            <a:endCxn id="40" idx="0"/>
+          </p:cNvCxnSpPr>
           <p:nvPr/>
         </p:nvCxnSpPr>
         <p:spPr>
           <a:xfrm>
-            <a:off x="1269243" y="3725839"/>
-            <a:ext cx="6333824" cy="0"/>
+            <a:off x="1687998" y="1481056"/>
+            <a:ext cx="0" cy="1376136"/>
           </a:xfrm>
           <a:prstGeom prst="straightConnector1">
             <a:avLst/>
@@ -3012,7 +4881,6 @@
             <a:solidFill>
               <a:schemeClr val="tx1"/>
             </a:solidFill>
-            <a:prstDash val="lgDashDot"/>
             <a:tailEnd type="triangle"/>
           </a:ln>
         </p:spPr>
@@ -3033,23 +4901,25 @@
       </p:cxnSp>
       <p:cxnSp>
         <p:nvCxnSpPr>
-          <p:cNvPr id="9" name="Straight Arrow Connector 8"/>
-          <p:cNvCxnSpPr/>
+          <p:cNvPr id="42" name="Straight Arrow Connector 41"/>
+          <p:cNvCxnSpPr>
+            <a:stCxn id="40" idx="2"/>
+            <a:endCxn id="39" idx="0"/>
+          </p:cNvCxnSpPr>
           <p:nvPr/>
         </p:nvCxnSpPr>
         <p:spPr>
-          <a:xfrm flipV="1">
-            <a:off x="2505376" y="2413195"/>
-            <a:ext cx="8371886" cy="2"/>
+          <a:xfrm flipH="1">
+            <a:off x="1684676" y="3318857"/>
+            <a:ext cx="3322" cy="1400993"/>
           </a:xfrm>
           <a:prstGeom prst="straightConnector1">
             <a:avLst/>
           </a:prstGeom>
-          <a:ln w="31750" cmpd="sng">
+          <a:ln w="31750">
             <a:solidFill>
               <a:schemeClr val="tx1"/>
             </a:solidFill>
-            <a:prstDash val="solid"/>
             <a:tailEnd type="triangle"/>
           </a:ln>
         </p:spPr>
@@ -3070,26 +4940,229 @@
       </p:cxnSp>
       <p:sp>
         <p:nvSpPr>
-          <p:cNvPr id="13" name="Oval 12"/>
+          <p:cNvPr id="45" name="Rectangle 44"/>
           <p:cNvSpPr/>
           <p:nvPr/>
         </p:nvSpPr>
         <p:spPr>
           <a:xfrm>
-            <a:off x="7659172" y="3374518"/>
-            <a:ext cx="942277" cy="702642"/>
-          </a:xfrm>
-          <a:prstGeom prst="ellipse">
+            <a:off x="-117456" y="2857192"/>
+            <a:ext cx="1118624" cy="461665"/>
+          </a:xfrm>
+          <a:prstGeom prst="rect">
             <a:avLst/>
           </a:prstGeom>
           <a:noFill/>
-          <a:ln w="44450">
-            <a:solidFill>
-              <a:schemeClr val="tx1">
-                <a:lumMod val="75000"/>
-                <a:lumOff val="25000"/>
-              </a:schemeClr>
-            </a:solidFill>
+        </p:spPr>
+        <p:txBody>
+          <a:bodyPr wrap="square" lIns="91440" tIns="45720" rIns="91440" bIns="45720">
+            <a:spAutoFit/>
+            <a:scene3d>
+              <a:camera prst="orthographicFront"/>
+              <a:lightRig rig="harsh" dir="t"/>
+            </a:scene3d>
+            <a:sp3d extrusionH="57150" prstMaterial="matte">
+              <a:bevelT w="63500" h="12700" prst="angle"/>
+              <a:contourClr>
+                <a:schemeClr val="bg1">
+                  <a:lumMod val="65000"/>
+                </a:schemeClr>
+              </a:contourClr>
+            </a:sp3d>
+          </a:bodyPr>
+          <a:lstStyle/>
+          <a:p>
+            <a:pPr algn="ctr"/>
+            <a:r>
+              <a:rPr lang="en-US" altLang="zh-CN" sz="2400" b="1" smtClean="0">
+                <a:ln/>
+                <a:solidFill>
+                  <a:schemeClr val="tx1">
+                    <a:lumMod val="75000"/>
+                    <a:lumOff val="25000"/>
+                  </a:schemeClr>
+                </a:solidFill>
+                <a:latin typeface="Times New Roman" charset="0"/>
+                <a:ea typeface="Times New Roman" charset="0"/>
+                <a:cs typeface="Times New Roman" charset="0"/>
+              </a:rPr>
+              <a:t>Inputs</a:t>
+            </a:r>
+            <a:endParaRPr lang="en-US" altLang="zh-CN" sz="2400" b="1" cap="none" spc="0" dirty="0">
+              <a:ln/>
+              <a:solidFill>
+                <a:schemeClr val="tx1">
+                  <a:lumMod val="75000"/>
+                  <a:lumOff val="25000"/>
+                </a:schemeClr>
+              </a:solidFill>
+              <a:effectLst/>
+              <a:latin typeface="Times New Roman" charset="0"/>
+              <a:ea typeface="Times New Roman" charset="0"/>
+              <a:cs typeface="Times New Roman" charset="0"/>
+            </a:endParaRPr>
+          </a:p>
+        </p:txBody>
+      </p:sp>
+      <p:sp>
+        <p:nvSpPr>
+          <p:cNvPr id="46" name="Rectangle 45"/>
+          <p:cNvSpPr/>
+          <p:nvPr/>
+        </p:nvSpPr>
+        <p:spPr>
+          <a:xfrm>
+            <a:off x="6888271" y="2890163"/>
+            <a:ext cx="1029715" cy="461665"/>
+          </a:xfrm>
+          <a:prstGeom prst="rect">
+            <a:avLst/>
+          </a:prstGeom>
+          <a:solidFill>
+            <a:schemeClr val="accent6">
+              <a:lumMod val="40000"/>
+              <a:lumOff val="60000"/>
+            </a:schemeClr>
+          </a:solidFill>
+        </p:spPr>
+        <p:txBody>
+          <a:bodyPr wrap="square" lIns="91440" tIns="45720" rIns="91440" bIns="45720">
+            <a:spAutoFit/>
+            <a:scene3d>
+              <a:camera prst="orthographicFront"/>
+              <a:lightRig rig="harsh" dir="t"/>
+            </a:scene3d>
+            <a:sp3d extrusionH="57150" prstMaterial="matte">
+              <a:bevelT w="63500" h="12700" prst="angle"/>
+              <a:contourClr>
+                <a:schemeClr val="bg1">
+                  <a:lumMod val="65000"/>
+                </a:schemeClr>
+              </a:contourClr>
+            </a:sp3d>
+          </a:bodyPr>
+          <a:lstStyle/>
+          <a:p>
+            <a:pPr algn="ctr"/>
+            <a:r>
+              <a:rPr lang="en-US" altLang="zh-CN" sz="2400" b="1" dirty="0" smtClean="0">
+                <a:ln/>
+                <a:solidFill>
+                  <a:schemeClr val="tx1">
+                    <a:lumMod val="75000"/>
+                    <a:lumOff val="25000"/>
+                  </a:schemeClr>
+                </a:solidFill>
+                <a:latin typeface="Times New Roman" charset="0"/>
+                <a:ea typeface="Times New Roman" charset="0"/>
+                <a:cs typeface="Times New Roman" charset="0"/>
+              </a:rPr>
+              <a:t>EMD</a:t>
+            </a:r>
+            <a:endParaRPr lang="en-US" altLang="zh-CN" sz="2400" b="1" cap="none" spc="0" dirty="0">
+              <a:ln/>
+              <a:solidFill>
+                <a:schemeClr val="tx1">
+                  <a:lumMod val="75000"/>
+                  <a:lumOff val="25000"/>
+                </a:schemeClr>
+              </a:solidFill>
+              <a:effectLst/>
+              <a:latin typeface="Times New Roman" charset="0"/>
+              <a:ea typeface="Times New Roman" charset="0"/>
+              <a:cs typeface="Times New Roman" charset="0"/>
+            </a:endParaRPr>
+          </a:p>
+        </p:txBody>
+      </p:sp>
+      <p:sp>
+        <p:nvSpPr>
+          <p:cNvPr id="47" name="Rectangle 46"/>
+          <p:cNvSpPr/>
+          <p:nvPr/>
+        </p:nvSpPr>
+        <p:spPr>
+          <a:xfrm>
+            <a:off x="5006705" y="3310113"/>
+            <a:ext cx="1029715" cy="461665"/>
+          </a:xfrm>
+          <a:prstGeom prst="rect">
+            <a:avLst/>
+          </a:prstGeom>
+          <a:noFill/>
+        </p:spPr>
+        <p:txBody>
+          <a:bodyPr wrap="square" lIns="91440" tIns="45720" rIns="91440" bIns="45720">
+            <a:spAutoFit/>
+            <a:scene3d>
+              <a:camera prst="orthographicFront"/>
+              <a:lightRig rig="harsh" dir="t"/>
+            </a:scene3d>
+            <a:sp3d extrusionH="57150" prstMaterial="matte">
+              <a:bevelT w="63500" h="12700" prst="angle"/>
+              <a:contourClr>
+                <a:schemeClr val="bg1">
+                  <a:lumMod val="65000"/>
+                </a:schemeClr>
+              </a:contourClr>
+            </a:sp3d>
+          </a:bodyPr>
+          <a:lstStyle/>
+          <a:p>
+            <a:pPr algn="ctr"/>
+            <a:r>
+              <a:rPr lang="en-US" altLang="zh-CN" sz="2400" b="1" smtClean="0">
+                <a:ln/>
+                <a:solidFill>
+                  <a:schemeClr val="tx1">
+                    <a:lumMod val="75000"/>
+                    <a:lumOff val="25000"/>
+                  </a:schemeClr>
+                </a:solidFill>
+                <a:latin typeface="Times New Roman" charset="0"/>
+                <a:ea typeface="Times New Roman" charset="0"/>
+                <a:cs typeface="Times New Roman" charset="0"/>
+              </a:rPr>
+              <a:t>Audio</a:t>
+            </a:r>
+            <a:endParaRPr lang="en-US" altLang="zh-CN" sz="2400" b="1" cap="none" spc="0" dirty="0">
+              <a:ln/>
+              <a:solidFill>
+                <a:schemeClr val="tx1">
+                  <a:lumMod val="75000"/>
+                  <a:lumOff val="25000"/>
+                </a:schemeClr>
+              </a:solidFill>
+              <a:effectLst/>
+              <a:latin typeface="Times New Roman" charset="0"/>
+              <a:ea typeface="Times New Roman" charset="0"/>
+              <a:cs typeface="Times New Roman" charset="0"/>
+            </a:endParaRPr>
+          </a:p>
+        </p:txBody>
+      </p:sp>
+      <p:sp>
+        <p:nvSpPr>
+          <p:cNvPr id="51" name="Rectangle 50"/>
+          <p:cNvSpPr/>
+          <p:nvPr/>
+        </p:nvSpPr>
+        <p:spPr>
+          <a:xfrm>
+            <a:off x="9218573" y="2662817"/>
+            <a:ext cx="294951" cy="923938"/>
+          </a:xfrm>
+          <a:prstGeom prst="rect">
+            <a:avLst/>
+          </a:prstGeom>
+          <a:solidFill>
+            <a:schemeClr val="accent4">
+              <a:lumMod val="40000"/>
+              <a:lumOff val="60000"/>
+            </a:schemeClr>
+          </a:solidFill>
+          <a:ln>
+            <a:noFill/>
           </a:ln>
         </p:spPr>
         <p:style>
@@ -3117,26 +5190,193 @@
           </a:p>
         </p:txBody>
       </p:sp>
+      <p:sp>
+        <p:nvSpPr>
+          <p:cNvPr id="52" name="Rectangle 51"/>
+          <p:cNvSpPr/>
+          <p:nvPr/>
+        </p:nvSpPr>
+        <p:spPr>
+          <a:xfrm>
+            <a:off x="8949983" y="2662817"/>
+            <a:ext cx="294951" cy="923938"/>
+          </a:xfrm>
+          <a:prstGeom prst="rect">
+            <a:avLst/>
+          </a:prstGeom>
+          <a:solidFill>
+            <a:schemeClr val="accent1">
+              <a:lumMod val="40000"/>
+              <a:lumOff val="60000"/>
+            </a:schemeClr>
+          </a:solidFill>
+          <a:ln>
+            <a:noFill/>
+          </a:ln>
+        </p:spPr>
+        <p:style>
+          <a:lnRef idx="2">
+            <a:schemeClr val="accent1">
+              <a:shade val="50000"/>
+            </a:schemeClr>
+          </a:lnRef>
+          <a:fillRef idx="1">
+            <a:schemeClr val="accent1"/>
+          </a:fillRef>
+          <a:effectRef idx="0">
+            <a:schemeClr val="accent1"/>
+          </a:effectRef>
+          <a:fontRef idx="minor">
+            <a:schemeClr val="lt1"/>
+          </a:fontRef>
+        </p:style>
+        <p:txBody>
+          <a:bodyPr rtlCol="0" anchor="ctr"/>
+          <a:lstStyle/>
+          <a:p>
+            <a:pPr algn="ctr"/>
+            <a:endParaRPr lang="en-US"/>
+          </a:p>
+        </p:txBody>
+      </p:sp>
+      <p:sp>
+        <p:nvSpPr>
+          <p:cNvPr id="53" name="Rectangle 52"/>
+          <p:cNvSpPr/>
+          <p:nvPr/>
+        </p:nvSpPr>
+        <p:spPr>
+          <a:xfrm>
+            <a:off x="8666760" y="2662817"/>
+            <a:ext cx="294951" cy="923938"/>
+          </a:xfrm>
+          <a:prstGeom prst="rect">
+            <a:avLst/>
+          </a:prstGeom>
+          <a:solidFill>
+            <a:schemeClr val="accent6">
+              <a:lumMod val="40000"/>
+              <a:lumOff val="60000"/>
+            </a:schemeClr>
+          </a:solidFill>
+          <a:ln>
+            <a:noFill/>
+          </a:ln>
+        </p:spPr>
+        <p:style>
+          <a:lnRef idx="2">
+            <a:schemeClr val="accent1">
+              <a:shade val="50000"/>
+            </a:schemeClr>
+          </a:lnRef>
+          <a:fillRef idx="1">
+            <a:schemeClr val="accent1"/>
+          </a:fillRef>
+          <a:effectRef idx="0">
+            <a:schemeClr val="accent1"/>
+          </a:effectRef>
+          <a:fontRef idx="minor">
+            <a:schemeClr val="lt1"/>
+          </a:fontRef>
+        </p:style>
+        <p:txBody>
+          <a:bodyPr rtlCol="0" anchor="ctr"/>
+          <a:lstStyle/>
+          <a:p>
+            <a:pPr algn="ctr"/>
+            <a:endParaRPr lang="en-US"/>
+          </a:p>
+        </p:txBody>
+      </p:sp>
+      <p:sp>
+        <p:nvSpPr>
+          <p:cNvPr id="54" name="Rectangle 53"/>
+          <p:cNvSpPr/>
+          <p:nvPr/>
+        </p:nvSpPr>
+        <p:spPr>
+          <a:xfrm>
+            <a:off x="8596516" y="2907166"/>
+            <a:ext cx="1018546" cy="461665"/>
+          </a:xfrm>
+          <a:prstGeom prst="rect">
+            <a:avLst/>
+          </a:prstGeom>
+          <a:noFill/>
+        </p:spPr>
+        <p:txBody>
+          <a:bodyPr wrap="square" lIns="91440" tIns="45720" rIns="91440" bIns="45720">
+            <a:spAutoFit/>
+            <a:scene3d>
+              <a:camera prst="orthographicFront"/>
+              <a:lightRig rig="harsh" dir="t"/>
+            </a:scene3d>
+            <a:sp3d extrusionH="57150" prstMaterial="matte">
+              <a:bevelT w="63500" h="12700" prst="angle"/>
+              <a:contourClr>
+                <a:schemeClr val="bg1">
+                  <a:lumMod val="65000"/>
+                </a:schemeClr>
+              </a:contourClr>
+            </a:sp3d>
+          </a:bodyPr>
+          <a:lstStyle/>
+          <a:p>
+            <a:pPr algn="ctr"/>
+            <a:r>
+              <a:rPr lang="en-US" altLang="zh-CN" sz="2400" b="1" smtClean="0">
+                <a:ln/>
+                <a:solidFill>
+                  <a:schemeClr val="tx1">
+                    <a:lumMod val="75000"/>
+                    <a:lumOff val="25000"/>
+                  </a:schemeClr>
+                </a:solidFill>
+                <a:latin typeface="Times New Roman" charset="0"/>
+                <a:ea typeface="Times New Roman" charset="0"/>
+                <a:cs typeface="Times New Roman" charset="0"/>
+              </a:rPr>
+              <a:t>MMF</a:t>
+            </a:r>
+            <a:endParaRPr lang="en-US" altLang="zh-CN" sz="2400" b="1" cap="none" spc="0" dirty="0">
+              <a:ln/>
+              <a:solidFill>
+                <a:schemeClr val="tx1">
+                  <a:lumMod val="75000"/>
+                  <a:lumOff val="25000"/>
+                </a:schemeClr>
+              </a:solidFill>
+              <a:effectLst/>
+              <a:latin typeface="Times New Roman" charset="0"/>
+              <a:ea typeface="Times New Roman" charset="0"/>
+              <a:cs typeface="Times New Roman" charset="0"/>
+            </a:endParaRPr>
+          </a:p>
+        </p:txBody>
+      </p:sp>
       <p:cxnSp>
         <p:nvCxnSpPr>
-          <p:cNvPr id="21" name="Elbow Connector 20"/>
+          <p:cNvPr id="57" name="Elbow Connector 56"/>
           <p:cNvCxnSpPr>
-            <a:stCxn id="13" idx="6"/>
+            <a:endCxn id="52" idx="0"/>
           </p:cNvCxnSpPr>
           <p:nvPr/>
         </p:nvCxnSpPr>
         <p:spPr>
-          <a:xfrm flipV="1">
-            <a:off x="8601449" y="2413195"/>
-            <a:ext cx="390151" cy="1312644"/>
-          </a:xfrm>
-          <a:prstGeom prst="bentConnector2">
-            <a:avLst/>
+          <a:xfrm rot="16200000" flipH="1">
+            <a:off x="8157496" y="1722854"/>
+            <a:ext cx="1449226" cy="430699"/>
+          </a:xfrm>
+          <a:prstGeom prst="bentConnector3">
+            <a:avLst>
+              <a:gd name="adj1" fmla="val 785"/>
+            </a:avLst>
           </a:prstGeom>
           <a:ln w="31750">
             <a:solidFill>
               <a:schemeClr val="tx1"/>
             </a:solidFill>
+            <a:tailEnd type="triangle"/>
           </a:ln>
         </p:spPr>
         <p:style>
@@ -3156,22 +5396,26 @@
       </p:cxnSp>
       <p:cxnSp>
         <p:nvCxnSpPr>
-          <p:cNvPr id="27" name="Straight Connector 26"/>
-          <p:cNvCxnSpPr/>
+          <p:cNvPr id="60" name="Elbow Connector 59"/>
+          <p:cNvCxnSpPr>
+            <a:stCxn id="16" idx="2"/>
+            <a:endCxn id="52" idx="2"/>
+          </p:cNvCxnSpPr>
           <p:nvPr/>
         </p:nvCxnSpPr>
         <p:spPr>
-          <a:xfrm>
-            <a:off x="8796524" y="2269067"/>
-            <a:ext cx="449076" cy="338666"/>
-          </a:xfrm>
-          <a:prstGeom prst="line">
+          <a:xfrm flipV="1">
+            <a:off x="8660053" y="3586755"/>
+            <a:ext cx="437406" cy="1276384"/>
+          </a:xfrm>
+          <a:prstGeom prst="bentConnector2">
             <a:avLst/>
           </a:prstGeom>
           <a:ln w="31750">
             <a:solidFill>
               <a:schemeClr val="tx1"/>
             </a:solidFill>
+            <a:tailEnd type="triangle"/>
           </a:ln>
         </p:spPr>
         <p:style>
@@ -3191,22 +5435,26 @@
       </p:cxnSp>
       <p:cxnSp>
         <p:nvCxnSpPr>
-          <p:cNvPr id="28" name="Straight Connector 27"/>
-          <p:cNvCxnSpPr/>
+          <p:cNvPr id="63" name="Straight Arrow Connector 62"/>
+          <p:cNvCxnSpPr>
+            <a:stCxn id="46" idx="3"/>
+            <a:endCxn id="53" idx="1"/>
+          </p:cNvCxnSpPr>
           <p:nvPr/>
         </p:nvCxnSpPr>
         <p:spPr>
-          <a:xfrm flipH="1">
-            <a:off x="8796524" y="2269067"/>
-            <a:ext cx="390152" cy="338666"/>
-          </a:xfrm>
-          <a:prstGeom prst="line">
+          <a:xfrm>
+            <a:off x="7917986" y="3120996"/>
+            <a:ext cx="748774" cy="3790"/>
+          </a:xfrm>
+          <a:prstGeom prst="straightConnector1">
             <a:avLst/>
           </a:prstGeom>
           <a:ln w="31750">
             <a:solidFill>
               <a:schemeClr val="tx1"/>
             </a:solidFill>
+            <a:tailEnd type="triangle"/>
           </a:ln>
         </p:spPr>
         <p:style>
@@ -3226,14 +5474,14 @@
       </p:cxnSp>
       <p:sp>
         <p:nvSpPr>
-          <p:cNvPr id="33" name="Rectangle 32"/>
+          <p:cNvPr id="68" name="Rectangle 67"/>
           <p:cNvSpPr/>
           <p:nvPr/>
         </p:nvSpPr>
         <p:spPr>
           <a:xfrm>
-            <a:off x="7454220" y="3441526"/>
-            <a:ext cx="1332428" cy="646331"/>
+            <a:off x="10220133" y="5347765"/>
+            <a:ext cx="1013168" cy="461665"/>
           </a:xfrm>
           <a:prstGeom prst="rect">
             <a:avLst/>
@@ -3260,114 +5508,46 @@
           <a:p>
             <a:pPr algn="ctr"/>
             <a:r>
-              <a:rPr lang="en-US" altLang="zh-CN" sz="3600" b="1" cap="none" spc="0" dirty="0" smtClean="0">
+              <a:rPr lang="en-US" altLang="zh-CN" sz="2400" b="1" dirty="0" smtClean="0">
                 <a:ln/>
                 <a:solidFill>
-                  <a:schemeClr val="accent1">
-                    <a:lumMod val="60000"/>
-                    <a:lumOff val="40000"/>
+                  <a:schemeClr val="tx1">
+                    <a:lumMod val="75000"/>
+                    <a:lumOff val="25000"/>
                   </a:schemeClr>
                 </a:solidFill>
-                <a:effectLst/>
+                <a:latin typeface="Times New Roman" charset="0"/>
+                <a:ea typeface="Times New Roman" charset="0"/>
+                <a:cs typeface="Times New Roman" charset="0"/>
               </a:rPr>
-              <a:t>C</a:t>
-            </a:r>
-            <a:r>
-              <a:rPr lang="en-US" altLang="zh-CN" sz="3600" b="1" cap="none" spc="0" dirty="0" smtClean="0">
-                <a:ln/>
-                <a:effectLst/>
-              </a:rPr>
-              <a:t>2</a:t>
-            </a:r>
-            <a:r>
-              <a:rPr lang="en-US" altLang="zh-CN" sz="3600" b="1" cap="none" spc="0" dirty="0" smtClean="0">
-                <a:ln/>
-                <a:solidFill>
-                  <a:schemeClr val="accent4">
-                    <a:lumMod val="60000"/>
-                    <a:lumOff val="40000"/>
-                  </a:schemeClr>
-                </a:solidFill>
-                <a:effectLst/>
-              </a:rPr>
-              <a:t>E</a:t>
-            </a:r>
-            <a:endParaRPr lang="en-US" altLang="zh-CN" sz="3600" b="1" cap="none" spc="0" dirty="0">
+              <a:t>DMM</a:t>
+            </a:r>
+            <a:endParaRPr lang="en-US" altLang="zh-CN" sz="2400" b="1" cap="none" spc="0" dirty="0">
               <a:ln/>
               <a:solidFill>
-                <a:schemeClr val="accent4">
-                  <a:lumMod val="60000"/>
-                  <a:lumOff val="40000"/>
+                <a:schemeClr val="tx1">
+                  <a:lumMod val="75000"/>
+                  <a:lumOff val="25000"/>
                 </a:schemeClr>
               </a:solidFill>
               <a:effectLst/>
+              <a:latin typeface="Times New Roman" charset="0"/>
+              <a:ea typeface="Times New Roman" charset="0"/>
+              <a:cs typeface="Times New Roman" charset="0"/>
             </a:endParaRPr>
           </a:p>
         </p:txBody>
       </p:sp>
       <p:sp>
         <p:nvSpPr>
-          <p:cNvPr id="36" name="L-Shape 35"/>
+          <p:cNvPr id="70" name="Rectangle 69"/>
           <p:cNvSpPr/>
           <p:nvPr/>
         </p:nvSpPr>
         <p:spPr>
-          <a:xfrm rot="10800000" flipV="1">
-            <a:off x="1528547" y="1007058"/>
-            <a:ext cx="9089409" cy="3717342"/>
-          </a:xfrm>
-          <a:prstGeom prst="corner">
-            <a:avLst>
-              <a:gd name="adj1" fmla="val 55751"/>
-              <a:gd name="adj2" fmla="val 37305"/>
-            </a:avLst>
-          </a:prstGeom>
-          <a:solidFill>
-            <a:schemeClr val="accent1">
-              <a:lumMod val="60000"/>
-              <a:lumOff val="40000"/>
-              <a:alpha val="30000"/>
-            </a:schemeClr>
-          </a:solidFill>
-          <a:ln>
-            <a:noFill/>
-          </a:ln>
-        </p:spPr>
-        <p:style>
-          <a:lnRef idx="2">
-            <a:schemeClr val="accent1">
-              <a:shade val="50000"/>
-            </a:schemeClr>
-          </a:lnRef>
-          <a:fillRef idx="1">
-            <a:schemeClr val="accent1"/>
-          </a:fillRef>
-          <a:effectRef idx="0">
-            <a:schemeClr val="accent1"/>
-          </a:effectRef>
-          <a:fontRef idx="minor">
-            <a:schemeClr val="lt1"/>
-          </a:fontRef>
-        </p:style>
-        <p:txBody>
-          <a:bodyPr rtlCol="0" anchor="ctr"/>
-          <a:lstStyle/>
-          <a:p>
-            <a:pPr algn="ctr"/>
-            <a:endParaRPr lang="en-US"/>
-          </a:p>
-        </p:txBody>
-      </p:sp>
-      <p:sp>
-        <p:nvSpPr>
-          <p:cNvPr id="37" name="Rectangle 36"/>
-          <p:cNvSpPr/>
-          <p:nvPr/>
-        </p:nvSpPr>
-        <p:spPr>
           <a:xfrm>
-            <a:off x="9021062" y="4117950"/>
-            <a:ext cx="1884346" cy="646331"/>
+            <a:off x="5761520" y="2311831"/>
+            <a:ext cx="1013168" cy="461665"/>
           </a:xfrm>
           <a:prstGeom prst="rect">
             <a:avLst/>
@@ -3394,25 +5574,174 @@
           <a:p>
             <a:pPr algn="ctr"/>
             <a:r>
-              <a:rPr lang="en-US" altLang="zh-CN" sz="3600" b="1" cap="none" spc="0" dirty="0" smtClean="0">
+              <a:rPr lang="en-US" altLang="zh-CN" sz="2400" b="1" smtClean="0">
                 <a:ln/>
                 <a:solidFill>
-                  <a:schemeClr val="accent1">
+                  <a:schemeClr val="tx1">
                     <a:lumMod val="75000"/>
+                    <a:lumOff val="25000"/>
                   </a:schemeClr>
                 </a:solidFill>
-                <a:effectLst/>
+                <a:latin typeface="Times New Roman" charset="0"/>
+                <a:ea typeface="Times New Roman" charset="0"/>
+                <a:cs typeface="Times New Roman" charset="0"/>
               </a:rPr>
-              <a:t>DMM</a:t>
-            </a:r>
-            <a:endParaRPr lang="en-US" altLang="zh-CN" sz="3600" b="1" cap="none" spc="0" dirty="0">
+              <a:t>SEM</a:t>
+            </a:r>
+            <a:endParaRPr lang="en-US" altLang="zh-CN" sz="2400" b="1" cap="none" spc="0" dirty="0">
               <a:ln/>
               <a:solidFill>
-                <a:schemeClr val="accent1">
+                <a:schemeClr val="tx1">
                   <a:lumMod val="75000"/>
+                  <a:lumOff val="25000"/>
                 </a:schemeClr>
               </a:solidFill>
               <a:effectLst/>
+              <a:latin typeface="Times New Roman" charset="0"/>
+              <a:ea typeface="Times New Roman" charset="0"/>
+              <a:cs typeface="Times New Roman" charset="0"/>
+            </a:endParaRPr>
+          </a:p>
+        </p:txBody>
+      </p:sp>
+      <p:cxnSp>
+        <p:nvCxnSpPr>
+          <p:cNvPr id="71" name="Straight Arrow Connector 70"/>
+          <p:cNvCxnSpPr>
+            <a:stCxn id="51" idx="3"/>
+          </p:cNvCxnSpPr>
+          <p:nvPr/>
+        </p:nvCxnSpPr>
+        <p:spPr>
+          <a:xfrm flipV="1">
+            <a:off x="9513524" y="3120996"/>
+            <a:ext cx="318213" cy="3790"/>
+          </a:xfrm>
+          <a:prstGeom prst="straightConnector1">
+            <a:avLst/>
+          </a:prstGeom>
+          <a:ln w="31750">
+            <a:solidFill>
+              <a:schemeClr val="tx1"/>
+            </a:solidFill>
+            <a:tailEnd type="triangle"/>
+          </a:ln>
+        </p:spPr>
+        <p:style>
+          <a:lnRef idx="1">
+            <a:schemeClr val="accent1"/>
+          </a:lnRef>
+          <a:fillRef idx="0">
+            <a:schemeClr val="accent1"/>
+          </a:fillRef>
+          <a:effectRef idx="0">
+            <a:schemeClr val="accent1"/>
+          </a:effectRef>
+          <a:fontRef idx="minor">
+            <a:schemeClr val="tx1"/>
+          </a:fontRef>
+        </p:style>
+      </p:cxnSp>
+      <p:cxnSp>
+        <p:nvCxnSpPr>
+          <p:cNvPr id="74" name="Straight Arrow Connector 73"/>
+          <p:cNvCxnSpPr>
+            <a:endCxn id="83" idx="2"/>
+          </p:cNvCxnSpPr>
+          <p:nvPr/>
+        </p:nvCxnSpPr>
+        <p:spPr>
+          <a:xfrm flipV="1">
+            <a:off x="10718691" y="1481056"/>
+            <a:ext cx="499" cy="850202"/>
+          </a:xfrm>
+          <a:prstGeom prst="straightConnector1">
+            <a:avLst/>
+          </a:prstGeom>
+          <a:ln w="31750">
+            <a:solidFill>
+              <a:schemeClr val="tx1"/>
+            </a:solidFill>
+            <a:tailEnd type="triangle"/>
+          </a:ln>
+        </p:spPr>
+        <p:style>
+          <a:lnRef idx="1">
+            <a:schemeClr val="accent1"/>
+          </a:lnRef>
+          <a:fillRef idx="0">
+            <a:schemeClr val="accent1"/>
+          </a:fillRef>
+          <a:effectRef idx="0">
+            <a:schemeClr val="accent1"/>
+          </a:effectRef>
+          <a:fontRef idx="minor">
+            <a:schemeClr val="tx1"/>
+          </a:fontRef>
+        </p:style>
+      </p:cxnSp>
+      <p:sp>
+        <p:nvSpPr>
+          <p:cNvPr id="83" name="Rectangle 82"/>
+          <p:cNvSpPr/>
+          <p:nvPr/>
+        </p:nvSpPr>
+        <p:spPr>
+          <a:xfrm>
+            <a:off x="10139093" y="1019391"/>
+            <a:ext cx="1160194" cy="461665"/>
+          </a:xfrm>
+          <a:prstGeom prst="rect">
+            <a:avLst/>
+          </a:prstGeom>
+          <a:noFill/>
+        </p:spPr>
+        <p:txBody>
+          <a:bodyPr wrap="square" lIns="91440" tIns="45720" rIns="91440" bIns="45720">
+            <a:spAutoFit/>
+            <a:scene3d>
+              <a:camera prst="orthographicFront"/>
+              <a:lightRig rig="harsh" dir="t"/>
+            </a:scene3d>
+            <a:sp3d extrusionH="57150" prstMaterial="matte">
+              <a:bevelT w="63500" h="12700" prst="angle"/>
+              <a:contourClr>
+                <a:schemeClr val="bg1">
+                  <a:lumMod val="65000"/>
+                </a:schemeClr>
+              </a:contourClr>
+            </a:sp3d>
+          </a:bodyPr>
+          <a:lstStyle/>
+          <a:p>
+            <a:pPr algn="ctr"/>
+            <a:r>
+              <a:rPr lang="en-US" altLang="zh-CN" sz="2400" b="1" smtClean="0">
+                <a:ln/>
+                <a:solidFill>
+                  <a:schemeClr val="tx1">
+                    <a:lumMod val="75000"/>
+                    <a:lumOff val="25000"/>
+                  </a:schemeClr>
+                </a:solidFill>
+                <a:latin typeface="Times New Roman" charset="0"/>
+                <a:ea typeface="Times New Roman" charset="0"/>
+                <a:cs typeface="Times New Roman" charset="0"/>
+              </a:rPr>
+              <a:t>Output</a:t>
+            </a:r>
+            <a:endParaRPr lang="en-US" altLang="zh-CN" sz="2400" b="1" cap="none" spc="0" dirty="0">
+              <a:ln/>
+              <a:solidFill>
+                <a:schemeClr val="tx1">
+                  <a:lumMod val="75000"/>
+                  <a:lumOff val="25000"/>
+                </a:schemeClr>
+              </a:solidFill>
+              <a:effectLst/>
+              <a:latin typeface="Times New Roman" charset="0"/>
+              <a:ea typeface="Times New Roman" charset="0"/>
+              <a:cs typeface="Times New Roman" charset="0"/>
             </a:endParaRPr>
           </a:p>
         </p:txBody>
@@ -3434,6 +5763,463 @@
       </p:par>
     </p:tnLst>
   </p:timing>
+</p:sld>
+</file>
+
+<file path=ppt/slides/slide2.xml><?xml version="1.0" encoding="utf-8"?>
+<p:sld xmlns:a="http://schemas.openxmlformats.org/drawingml/2006/main" xmlns:r="http://schemas.openxmlformats.org/officeDocument/2006/relationships" xmlns:p="http://schemas.openxmlformats.org/presentationml/2006/main">
+  <p:cSld>
+    <p:spTree>
+      <p:nvGrpSpPr>
+        <p:cNvPr id="1" name=""/>
+        <p:cNvGrpSpPr/>
+        <p:nvPr/>
+      </p:nvGrpSpPr>
+      <p:grpSpPr>
+        <a:xfrm>
+          <a:off x="0" y="0"/>
+          <a:ext cx="0" cy="0"/>
+          <a:chOff x="0" y="0"/>
+          <a:chExt cx="0" cy="0"/>
+        </a:xfrm>
+      </p:grpSpPr>
+      <p:sp>
+        <p:nvSpPr>
+          <p:cNvPr id="11" name="Rectangle 10"/>
+          <p:cNvSpPr/>
+          <p:nvPr/>
+        </p:nvSpPr>
+        <p:spPr>
+          <a:xfrm>
+            <a:off x="8110830" y="2877312"/>
+            <a:ext cx="3329330" cy="1719073"/>
+          </a:xfrm>
+          <a:prstGeom prst="rect">
+            <a:avLst/>
+          </a:prstGeom>
+          <a:solidFill>
+            <a:schemeClr val="bg1">
+              <a:lumMod val="95000"/>
+            </a:schemeClr>
+          </a:solidFill>
+          <a:ln>
+            <a:noFill/>
+          </a:ln>
+        </p:spPr>
+        <p:style>
+          <a:lnRef idx="2">
+            <a:schemeClr val="accent1">
+              <a:shade val="50000"/>
+            </a:schemeClr>
+          </a:lnRef>
+          <a:fillRef idx="1">
+            <a:schemeClr val="accent1"/>
+          </a:fillRef>
+          <a:effectRef idx="0">
+            <a:schemeClr val="accent1"/>
+          </a:effectRef>
+          <a:fontRef idx="minor">
+            <a:schemeClr val="lt1"/>
+          </a:fontRef>
+        </p:style>
+        <p:txBody>
+          <a:bodyPr rtlCol="0" anchor="ctr"/>
+          <a:lstStyle/>
+          <a:p>
+            <a:pPr algn="ctr"/>
+            <a:endParaRPr lang="en-US"/>
+          </a:p>
+        </p:txBody>
+      </p:sp>
+      <p:sp>
+        <p:nvSpPr>
+          <p:cNvPr id="6" name="Rectangle 5"/>
+          <p:cNvSpPr/>
+          <p:nvPr/>
+        </p:nvSpPr>
+        <p:spPr>
+          <a:xfrm>
+            <a:off x="8110830" y="994233"/>
+            <a:ext cx="3329330" cy="1761159"/>
+          </a:xfrm>
+          <a:prstGeom prst="rect">
+            <a:avLst/>
+          </a:prstGeom>
+          <a:solidFill>
+            <a:schemeClr val="accent2">
+              <a:lumMod val="20000"/>
+              <a:lumOff val="80000"/>
+            </a:schemeClr>
+          </a:solidFill>
+          <a:ln>
+            <a:noFill/>
+          </a:ln>
+        </p:spPr>
+        <p:style>
+          <a:lnRef idx="2">
+            <a:schemeClr val="accent1">
+              <a:shade val="50000"/>
+            </a:schemeClr>
+          </a:lnRef>
+          <a:fillRef idx="1">
+            <a:schemeClr val="accent1"/>
+          </a:fillRef>
+          <a:effectRef idx="0">
+            <a:schemeClr val="accent1"/>
+          </a:effectRef>
+          <a:fontRef idx="minor">
+            <a:schemeClr val="lt1"/>
+          </a:fontRef>
+        </p:style>
+        <p:txBody>
+          <a:bodyPr rtlCol="0" anchor="ctr"/>
+          <a:lstStyle/>
+          <a:p>
+            <a:pPr algn="ctr"/>
+            <a:endParaRPr lang="en-US"/>
+          </a:p>
+        </p:txBody>
+      </p:sp>
+      <p:pic>
+        <p:nvPicPr>
+          <p:cNvPr id="5" name="Picture 4"/>
+          <p:cNvPicPr>
+            <a:picLocks noChangeAspect="1"/>
+          </p:cNvPicPr>
+          <p:nvPr/>
+        </p:nvPicPr>
+        <p:blipFill>
+          <a:blip r:embed="rId3">
+            <a:extLst>
+              <a:ext uri="{28A0092B-C50C-407E-A947-70E740481C1C}">
+                <a14:useLocalDpi xmlns:a14="http://schemas.microsoft.com/office/drawing/2010/main" val="0"/>
+              </a:ext>
+            </a:extLst>
+          </a:blip>
+          <a:stretch>
+            <a:fillRect/>
+          </a:stretch>
+        </p:blipFill>
+        <p:spPr>
+          <a:xfrm>
+            <a:off x="0" y="972028"/>
+            <a:ext cx="7925535" cy="3648957"/>
+          </a:xfrm>
+          <a:prstGeom prst="rect">
+            <a:avLst/>
+          </a:prstGeom>
+        </p:spPr>
+      </p:pic>
+      <p:sp>
+        <p:nvSpPr>
+          <p:cNvPr id="7" name="Rectangle 6"/>
+          <p:cNvSpPr/>
+          <p:nvPr/>
+        </p:nvSpPr>
+        <p:spPr>
+          <a:xfrm>
+            <a:off x="8135528" y="994233"/>
+            <a:ext cx="575634" cy="338554"/>
+          </a:xfrm>
+          <a:prstGeom prst="rect">
+            <a:avLst/>
+          </a:prstGeom>
+          <a:noFill/>
+        </p:spPr>
+        <p:txBody>
+          <a:bodyPr wrap="square" lIns="91440" tIns="45720" rIns="91440" bIns="45720">
+            <a:spAutoFit/>
+            <a:scene3d>
+              <a:camera prst="orthographicFront"/>
+              <a:lightRig rig="harsh" dir="t"/>
+            </a:scene3d>
+            <a:sp3d extrusionH="57150" prstMaterial="matte">
+              <a:bevelT w="63500" h="12700" prst="angle"/>
+              <a:contourClr>
+                <a:schemeClr val="bg1">
+                  <a:lumMod val="65000"/>
+                </a:schemeClr>
+              </a:contourClr>
+            </a:sp3d>
+          </a:bodyPr>
+          <a:lstStyle/>
+          <a:p>
+            <a:pPr algn="ctr"/>
+            <a:r>
+              <a:rPr lang="en-US" altLang="zh-CN" sz="1600" b="1" dirty="0" smtClean="0">
+                <a:ln/>
+                <a:solidFill>
+                  <a:schemeClr val="tx1">
+                    <a:lumMod val="75000"/>
+                    <a:lumOff val="25000"/>
+                  </a:schemeClr>
+                </a:solidFill>
+                <a:latin typeface="Times New Roman" charset="0"/>
+                <a:ea typeface="Times New Roman" charset="0"/>
+                <a:cs typeface="Times New Roman" charset="0"/>
+              </a:rPr>
+              <a:t>RM</a:t>
+            </a:r>
+            <a:endParaRPr lang="en-US" altLang="zh-CN" sz="1600" b="1" cap="none" spc="0" dirty="0">
+              <a:ln/>
+              <a:solidFill>
+                <a:schemeClr val="tx1">
+                  <a:lumMod val="75000"/>
+                  <a:lumOff val="25000"/>
+                </a:schemeClr>
+              </a:solidFill>
+              <a:effectLst/>
+              <a:latin typeface="Times New Roman" charset="0"/>
+              <a:ea typeface="Times New Roman" charset="0"/>
+              <a:cs typeface="Times New Roman" charset="0"/>
+            </a:endParaRPr>
+          </a:p>
+        </p:txBody>
+      </p:sp>
+      <p:sp>
+        <p:nvSpPr>
+          <p:cNvPr id="8" name="Rectangle 7"/>
+          <p:cNvSpPr/>
+          <p:nvPr/>
+        </p:nvSpPr>
+        <p:spPr>
+          <a:xfrm>
+            <a:off x="9534660" y="1720923"/>
+            <a:ext cx="481667" cy="307777"/>
+          </a:xfrm>
+          <a:prstGeom prst="rect">
+            <a:avLst/>
+          </a:prstGeom>
+          <a:noFill/>
+        </p:spPr>
+        <p:txBody>
+          <a:bodyPr wrap="square" lIns="91440" tIns="45720" rIns="91440" bIns="45720">
+            <a:spAutoFit/>
+            <a:scene3d>
+              <a:camera prst="orthographicFront"/>
+              <a:lightRig rig="harsh" dir="t"/>
+            </a:scene3d>
+            <a:sp3d extrusionH="57150" prstMaterial="matte">
+              <a:bevelT w="63500" h="12700" prst="angle"/>
+              <a:contourClr>
+                <a:schemeClr val="bg1">
+                  <a:lumMod val="65000"/>
+                </a:schemeClr>
+              </a:contourClr>
+            </a:sp3d>
+          </a:bodyPr>
+          <a:lstStyle/>
+          <a:p>
+            <a:pPr algn="ctr"/>
+            <a:r>
+              <a:rPr lang="mr-IN" altLang="zh-CN" sz="1400" b="1" dirty="0" smtClean="0">
+                <a:ln/>
+                <a:solidFill>
+                  <a:schemeClr val="tx1">
+                    <a:lumMod val="75000"/>
+                    <a:lumOff val="25000"/>
+                  </a:schemeClr>
+                </a:solidFill>
+                <a:latin typeface="Times New Roman" charset="0"/>
+                <a:ea typeface="Times New Roman" charset="0"/>
+                <a:cs typeface="Times New Roman" charset="0"/>
+              </a:rPr>
+              <a:t>…</a:t>
+            </a:r>
+            <a:endParaRPr lang="en-US" altLang="zh-CN" sz="1400" b="1" cap="none" spc="0" dirty="0">
+              <a:ln/>
+              <a:solidFill>
+                <a:schemeClr val="tx1">
+                  <a:lumMod val="75000"/>
+                  <a:lumOff val="25000"/>
+                </a:schemeClr>
+              </a:solidFill>
+              <a:effectLst/>
+              <a:latin typeface="Times New Roman" charset="0"/>
+              <a:ea typeface="Times New Roman" charset="0"/>
+              <a:cs typeface="Times New Roman" charset="0"/>
+            </a:endParaRPr>
+          </a:p>
+        </p:txBody>
+      </p:sp>
+      <p:sp>
+        <p:nvSpPr>
+          <p:cNvPr id="12" name="Rectangle 11"/>
+          <p:cNvSpPr/>
+          <p:nvPr/>
+        </p:nvSpPr>
+        <p:spPr>
+          <a:xfrm>
+            <a:off x="8040884" y="2825409"/>
+            <a:ext cx="764923" cy="338554"/>
+          </a:xfrm>
+          <a:prstGeom prst="rect">
+            <a:avLst/>
+          </a:prstGeom>
+          <a:noFill/>
+        </p:spPr>
+        <p:txBody>
+          <a:bodyPr wrap="square" lIns="91440" tIns="45720" rIns="91440" bIns="45720">
+            <a:spAutoFit/>
+            <a:scene3d>
+              <a:camera prst="orthographicFront"/>
+              <a:lightRig rig="harsh" dir="t"/>
+            </a:scene3d>
+            <a:sp3d extrusionH="57150" prstMaterial="matte">
+              <a:bevelT w="63500" h="12700" prst="angle"/>
+              <a:contourClr>
+                <a:schemeClr val="bg1">
+                  <a:lumMod val="65000"/>
+                </a:schemeClr>
+              </a:contourClr>
+            </a:sp3d>
+          </a:bodyPr>
+          <a:lstStyle/>
+          <a:p>
+            <a:pPr algn="ctr"/>
+            <a:r>
+              <a:rPr lang="en-US" altLang="zh-CN" sz="1600" b="1" dirty="0" smtClean="0">
+                <a:ln/>
+                <a:solidFill>
+                  <a:schemeClr val="tx1">
+                    <a:lumMod val="75000"/>
+                    <a:lumOff val="25000"/>
+                  </a:schemeClr>
+                </a:solidFill>
+                <a:latin typeface="Times New Roman" charset="0"/>
+                <a:ea typeface="Times New Roman" charset="0"/>
+                <a:cs typeface="Times New Roman" charset="0"/>
+              </a:rPr>
+              <a:t>MMF</a:t>
+            </a:r>
+            <a:endParaRPr lang="en-US" altLang="zh-CN" sz="1600" b="1" cap="none" spc="0" dirty="0">
+              <a:ln/>
+              <a:solidFill>
+                <a:schemeClr val="tx1">
+                  <a:lumMod val="75000"/>
+                  <a:lumOff val="25000"/>
+                </a:schemeClr>
+              </a:solidFill>
+              <a:effectLst/>
+              <a:latin typeface="Times New Roman" charset="0"/>
+              <a:ea typeface="Times New Roman" charset="0"/>
+              <a:cs typeface="Times New Roman" charset="0"/>
+            </a:endParaRPr>
+          </a:p>
+        </p:txBody>
+      </p:sp>
+      <p:sp>
+        <p:nvSpPr>
+          <p:cNvPr id="13" name="Rectangle 12"/>
+          <p:cNvSpPr/>
+          <p:nvPr/>
+        </p:nvSpPr>
+        <p:spPr>
+          <a:xfrm>
+            <a:off x="9534661" y="3582959"/>
+            <a:ext cx="481667" cy="307777"/>
+          </a:xfrm>
+          <a:prstGeom prst="rect">
+            <a:avLst/>
+          </a:prstGeom>
+          <a:noFill/>
+        </p:spPr>
+        <p:txBody>
+          <a:bodyPr wrap="square" lIns="91440" tIns="45720" rIns="91440" bIns="45720">
+            <a:spAutoFit/>
+            <a:scene3d>
+              <a:camera prst="orthographicFront"/>
+              <a:lightRig rig="harsh" dir="t"/>
+            </a:scene3d>
+            <a:sp3d extrusionH="57150" prstMaterial="matte">
+              <a:bevelT w="63500" h="12700" prst="angle"/>
+              <a:contourClr>
+                <a:schemeClr val="bg1">
+                  <a:lumMod val="65000"/>
+                </a:schemeClr>
+              </a:contourClr>
+            </a:sp3d>
+          </a:bodyPr>
+          <a:lstStyle/>
+          <a:p>
+            <a:pPr algn="ctr"/>
+            <a:r>
+              <a:rPr lang="mr-IN" altLang="zh-CN" sz="1400" b="1" dirty="0" smtClean="0">
+                <a:ln/>
+                <a:solidFill>
+                  <a:schemeClr val="tx1">
+                    <a:lumMod val="75000"/>
+                    <a:lumOff val="25000"/>
+                  </a:schemeClr>
+                </a:solidFill>
+                <a:latin typeface="Times New Roman" charset="0"/>
+                <a:ea typeface="Times New Roman" charset="0"/>
+                <a:cs typeface="Times New Roman" charset="0"/>
+              </a:rPr>
+              <a:t>…</a:t>
+            </a:r>
+            <a:endParaRPr lang="en-US" altLang="zh-CN" sz="1400" b="1" cap="none" spc="0" dirty="0">
+              <a:ln/>
+              <a:solidFill>
+                <a:schemeClr val="tx1">
+                  <a:lumMod val="75000"/>
+                  <a:lumOff val="25000"/>
+                </a:schemeClr>
+              </a:solidFill>
+              <a:effectLst/>
+              <a:latin typeface="Times New Roman" charset="0"/>
+              <a:ea typeface="Times New Roman" charset="0"/>
+              <a:cs typeface="Times New Roman" charset="0"/>
+            </a:endParaRPr>
+          </a:p>
+        </p:txBody>
+      </p:sp>
+      <p:cxnSp>
+        <p:nvCxnSpPr>
+          <p:cNvPr id="15" name="Straight Connector 14"/>
+          <p:cNvCxnSpPr/>
+          <p:nvPr/>
+        </p:nvCxnSpPr>
+        <p:spPr>
+          <a:xfrm flipH="1">
+            <a:off x="7990998" y="977791"/>
+            <a:ext cx="2" cy="3643194"/>
+          </a:xfrm>
+          <a:prstGeom prst="line">
+            <a:avLst/>
+          </a:prstGeom>
+          <a:ln w="28575">
+            <a:solidFill>
+              <a:schemeClr val="tx1"/>
+            </a:solidFill>
+            <a:prstDash val="dashDot"/>
+          </a:ln>
+        </p:spPr>
+        <p:style>
+          <a:lnRef idx="1">
+            <a:schemeClr val="accent1"/>
+          </a:lnRef>
+          <a:fillRef idx="0">
+            <a:schemeClr val="accent1"/>
+          </a:fillRef>
+          <a:effectRef idx="0">
+            <a:schemeClr val="accent1"/>
+          </a:effectRef>
+          <a:fontRef idx="minor">
+            <a:schemeClr val="tx1"/>
+          </a:fontRef>
+        </p:style>
+      </p:cxnSp>
+    </p:spTree>
+    <p:extLst>
+      <p:ext uri="{BB962C8B-B14F-4D97-AF65-F5344CB8AC3E}">
+        <p14:creationId xmlns:p14="http://schemas.microsoft.com/office/powerpoint/2010/main" val="258896056"/>
+      </p:ext>
+    </p:extLst>
+  </p:cSld>
+  <p:clrMapOvr>
+    <a:masterClrMapping/>
+  </p:clrMapOvr>
 </p:sld>
 </file>
 
@@ -3696,4 +6482,265 @@
     </a:ext>
   </a:extLst>
 </a:theme>
+</file>
+
+<file path=ppt/theme/theme2.xml><?xml version="1.0" encoding="utf-8"?>
+<a:theme xmlns:a="http://schemas.openxmlformats.org/drawingml/2006/main" name="Office Theme">
+  <a:themeElements>
+    <a:clrScheme name="Office">
+      <a:dk1>
+        <a:sysClr val="windowText" lastClr="000000"/>
+      </a:dk1>
+      <a:lt1>
+        <a:sysClr val="window" lastClr="FFFFFF"/>
+      </a:lt1>
+      <a:dk2>
+        <a:srgbClr val="44546A"/>
+      </a:dk2>
+      <a:lt2>
+        <a:srgbClr val="E7E6E6"/>
+      </a:lt2>
+      <a:accent1>
+        <a:srgbClr val="4472C4"/>
+      </a:accent1>
+      <a:accent2>
+        <a:srgbClr val="ED7D31"/>
+      </a:accent2>
+      <a:accent3>
+        <a:srgbClr val="A5A5A5"/>
+      </a:accent3>
+      <a:accent4>
+        <a:srgbClr val="FFC000"/>
+      </a:accent4>
+      <a:accent5>
+        <a:srgbClr val="5B9BD5"/>
+      </a:accent5>
+      <a:accent6>
+        <a:srgbClr val="70AD47"/>
+      </a:accent6>
+      <a:hlink>
+        <a:srgbClr val="0563C1"/>
+      </a:hlink>
+      <a:folHlink>
+        <a:srgbClr val="954F72"/>
+      </a:folHlink>
+    </a:clrScheme>
+    <a:fontScheme name="Office">
+      <a:majorFont>
+        <a:latin typeface="Calibri Light" panose="020F0302020204030204"/>
+        <a:ea typeface=""/>
+        <a:cs typeface=""/>
+        <a:font script="Jpan" typeface="Yu Gothic Light"/>
+        <a:font script="Hang" typeface="맑은 고딕"/>
+        <a:font script="Hans" typeface="DengXian Light"/>
+        <a:font script="Hant" typeface="新細明體"/>
+        <a:font script="Arab" typeface="Times New Roman"/>
+        <a:font script="Hebr" typeface="Times New Roman"/>
+        <a:font script="Thai" typeface="Angsana New"/>
+        <a:font script="Ethi" typeface="Nyala"/>
+        <a:font script="Beng" typeface="Vrinda"/>
+        <a:font script="Gujr" typeface="Shruti"/>
+        <a:font script="Khmr" typeface="MoolBoran"/>
+        <a:font script="Knda" typeface="Tunga"/>
+        <a:font script="Guru" typeface="Raavi"/>
+        <a:font script="Cans" typeface="Euphemia"/>
+        <a:font script="Cher" typeface="Plantagenet Cherokee"/>
+        <a:font script="Yiii" typeface="Microsoft Yi Baiti"/>
+        <a:font script="Tibt" typeface="Microsoft Himalaya"/>
+        <a:font script="Thaa" typeface="MV Boli"/>
+        <a:font script="Deva" typeface="Mangal"/>
+        <a:font script="Telu" typeface="Gautami"/>
+        <a:font script="Taml" typeface="Latha"/>
+        <a:font script="Syrc" typeface="Estrangelo Edessa"/>
+        <a:font script="Orya" typeface="Kalinga"/>
+        <a:font script="Mlym" typeface="Kartika"/>
+        <a:font script="Laoo" typeface="DokChampa"/>
+        <a:font script="Sinh" typeface="Iskoola Pota"/>
+        <a:font script="Mong" typeface="Mongolian Baiti"/>
+        <a:font script="Viet" typeface="Times New Roman"/>
+        <a:font script="Uigh" typeface="Microsoft Uighur"/>
+        <a:font script="Geor" typeface="Sylfaen"/>
+      </a:majorFont>
+      <a:minorFont>
+        <a:latin typeface="Calibri" panose="020F0502020204030204"/>
+        <a:ea typeface=""/>
+        <a:cs typeface=""/>
+        <a:font script="Jpan" typeface="Yu Gothic"/>
+        <a:font script="Hang" typeface="맑은 고딕"/>
+        <a:font script="Hans" typeface="DengXian"/>
+        <a:font script="Hant" typeface="新細明體"/>
+        <a:font script="Arab" typeface="Arial"/>
+        <a:font script="Hebr" typeface="Arial"/>
+        <a:font script="Thai" typeface="Cordia New"/>
+        <a:font script="Ethi" typeface="Nyala"/>
+        <a:font script="Beng" typeface="Vrinda"/>
+        <a:font script="Gujr" typeface="Shruti"/>
+        <a:font script="Khmr" typeface="DaunPenh"/>
+        <a:font script="Knda" typeface="Tunga"/>
+        <a:font script="Guru" typeface="Raavi"/>
+        <a:font script="Cans" typeface="Euphemia"/>
+        <a:font script="Cher" typeface="Plantagenet Cherokee"/>
+        <a:font script="Yiii" typeface="Microsoft Yi Baiti"/>
+        <a:font script="Tibt" typeface="Microsoft Himalaya"/>
+        <a:font script="Thaa" typeface="MV Boli"/>
+        <a:font script="Deva" typeface="Mangal"/>
+        <a:font script="Telu" typeface="Gautami"/>
+        <a:font script="Taml" typeface="Latha"/>
+        <a:font script="Syrc" typeface="Estrangelo Edessa"/>
+        <a:font script="Orya" typeface="Kalinga"/>
+        <a:font script="Mlym" typeface="Kartika"/>
+        <a:font script="Laoo" typeface="DokChampa"/>
+        <a:font script="Sinh" typeface="Iskoola Pota"/>
+        <a:font script="Mong" typeface="Mongolian Baiti"/>
+        <a:font script="Viet" typeface="Arial"/>
+        <a:font script="Uigh" typeface="Microsoft Uighur"/>
+        <a:font script="Geor" typeface="Sylfaen"/>
+      </a:minorFont>
+    </a:fontScheme>
+    <a:fmtScheme name="Office">
+      <a:fillStyleLst>
+        <a:solidFill>
+          <a:schemeClr val="phClr"/>
+        </a:solidFill>
+        <a:gradFill rotWithShape="1">
+          <a:gsLst>
+            <a:gs pos="0">
+              <a:schemeClr val="phClr">
+                <a:lumMod val="110000"/>
+                <a:satMod val="105000"/>
+                <a:tint val="67000"/>
+              </a:schemeClr>
+            </a:gs>
+            <a:gs pos="50000">
+              <a:schemeClr val="phClr">
+                <a:lumMod val="105000"/>
+                <a:satMod val="103000"/>
+                <a:tint val="73000"/>
+              </a:schemeClr>
+            </a:gs>
+            <a:gs pos="100000">
+              <a:schemeClr val="phClr">
+                <a:lumMod val="105000"/>
+                <a:satMod val="109000"/>
+                <a:tint val="81000"/>
+              </a:schemeClr>
+            </a:gs>
+          </a:gsLst>
+          <a:lin ang="5400000" scaled="0"/>
+        </a:gradFill>
+        <a:gradFill rotWithShape="1">
+          <a:gsLst>
+            <a:gs pos="0">
+              <a:schemeClr val="phClr">
+                <a:satMod val="103000"/>
+                <a:lumMod val="102000"/>
+                <a:tint val="94000"/>
+              </a:schemeClr>
+            </a:gs>
+            <a:gs pos="50000">
+              <a:schemeClr val="phClr">
+                <a:satMod val="110000"/>
+                <a:lumMod val="100000"/>
+                <a:shade val="100000"/>
+              </a:schemeClr>
+            </a:gs>
+            <a:gs pos="100000">
+              <a:schemeClr val="phClr">
+                <a:lumMod val="99000"/>
+                <a:satMod val="120000"/>
+                <a:shade val="78000"/>
+              </a:schemeClr>
+            </a:gs>
+          </a:gsLst>
+          <a:lin ang="5400000" scaled="0"/>
+        </a:gradFill>
+      </a:fillStyleLst>
+      <a:lnStyleLst>
+        <a:ln w="6350" cap="flat" cmpd="sng" algn="ctr">
+          <a:solidFill>
+            <a:schemeClr val="phClr"/>
+          </a:solidFill>
+          <a:prstDash val="solid"/>
+          <a:miter lim="800000"/>
+        </a:ln>
+        <a:ln w="12700" cap="flat" cmpd="sng" algn="ctr">
+          <a:solidFill>
+            <a:schemeClr val="phClr"/>
+          </a:solidFill>
+          <a:prstDash val="solid"/>
+          <a:miter lim="800000"/>
+        </a:ln>
+        <a:ln w="19050" cap="flat" cmpd="sng" algn="ctr">
+          <a:solidFill>
+            <a:schemeClr val="phClr"/>
+          </a:solidFill>
+          <a:prstDash val="solid"/>
+          <a:miter lim="800000"/>
+        </a:ln>
+      </a:lnStyleLst>
+      <a:effectStyleLst>
+        <a:effectStyle>
+          <a:effectLst/>
+        </a:effectStyle>
+        <a:effectStyle>
+          <a:effectLst/>
+        </a:effectStyle>
+        <a:effectStyle>
+          <a:effectLst>
+            <a:outerShdw blurRad="57150" dist="19050" dir="5400000" algn="ctr" rotWithShape="0">
+              <a:srgbClr val="000000">
+                <a:alpha val="63000"/>
+              </a:srgbClr>
+            </a:outerShdw>
+          </a:effectLst>
+        </a:effectStyle>
+      </a:effectStyleLst>
+      <a:bgFillStyleLst>
+        <a:solidFill>
+          <a:schemeClr val="phClr"/>
+        </a:solidFill>
+        <a:solidFill>
+          <a:schemeClr val="phClr">
+            <a:tint val="95000"/>
+            <a:satMod val="170000"/>
+          </a:schemeClr>
+        </a:solidFill>
+        <a:gradFill rotWithShape="1">
+          <a:gsLst>
+            <a:gs pos="0">
+              <a:schemeClr val="phClr">
+                <a:tint val="93000"/>
+                <a:satMod val="150000"/>
+                <a:shade val="98000"/>
+                <a:lumMod val="102000"/>
+              </a:schemeClr>
+            </a:gs>
+            <a:gs pos="50000">
+              <a:schemeClr val="phClr">
+                <a:tint val="98000"/>
+                <a:satMod val="130000"/>
+                <a:shade val="90000"/>
+                <a:lumMod val="103000"/>
+              </a:schemeClr>
+            </a:gs>
+            <a:gs pos="100000">
+              <a:schemeClr val="phClr">
+                <a:shade val="63000"/>
+                <a:satMod val="120000"/>
+              </a:schemeClr>
+            </a:gs>
+          </a:gsLst>
+          <a:lin ang="5400000" scaled="0"/>
+        </a:gradFill>
+      </a:bgFillStyleLst>
+    </a:fmtScheme>
+  </a:themeElements>
+  <a:objectDefaults/>
+  <a:extraClrSchemeLst/>
+  <a:extLst>
+    <a:ext uri="{05A4C25C-085E-4340-85A3-A5531E510DB2}">
+      <thm15:themeFamily xmlns:thm15="http://schemas.microsoft.com/office/thememl/2012/main" name="Office Theme" id="{62F939B6-93AF-4DB8-9C6B-D6C7DFDC589F}" vid="{4A3C46E8-61CC-4603-A589-7422A47A8E4A}"/>
+    </a:ext>
+  </a:extLst>
+</a:theme>
 </file>